--- a/lectures/150_for_loops/For-Loops.pptx
+++ b/lectures/150_for_loops/For-Loops.pptx
@@ -256,7 +256,7 @@
           <a:p>
             <a:fld id="{2507D560-C4D4-4804-8CBF-2C56AB6C6DB9}" type="datetimeFigureOut">
               <a:rPr lang="en-US" smtClean="0"/>
-              <a:t>6/20/2021</a:t>
+              <a:t>8/16/2021</a:t>
             </a:fld>
             <a:endParaRPr lang="en-US"/>
           </a:p>
@@ -421,7 +421,7 @@
           <a:p>
             <a:fld id="{688E7586-9A7B-41FF-B169-85DADA744493}" type="datetimeFigureOut">
               <a:rPr lang="en-US" smtClean="0"/>
-              <a:t>6/20/2021</a:t>
+              <a:t>8/16/2021</a:t>
             </a:fld>
             <a:endParaRPr lang="en-US"/>
           </a:p>
@@ -4148,8 +4148,12 @@
           </a:p>
           <a:p>
             <a:r>
-              <a:rPr lang="en-US" dirty="0"/>
-              <a:t>Spring 20XX</a:t>
+              <a:rPr lang="en-US" smtClean="0"/>
+              <a:t>Spring/Fall </a:t>
+            </a:r>
+            <a:r>
+              <a:rPr lang="en-US" dirty="0"/>
+              <a:t>20XX</a:t>
             </a:r>
           </a:p>
         </p:txBody>

--- a/lectures/150_for_loops/For-Loops.pptx
+++ b/lectures/150_for_loops/For-Loops.pptx
@@ -5,10 +5,10 @@
     <p:sldMasterId id="2147483732" r:id="rId1"/>
   </p:sldMasterIdLst>
   <p:notesMasterIdLst>
-    <p:notesMasterId r:id="rId22"/>
+    <p:notesMasterId r:id="rId26"/>
   </p:notesMasterIdLst>
   <p:handoutMasterIdLst>
-    <p:handoutMasterId r:id="rId23"/>
+    <p:handoutMasterId r:id="rId27"/>
   </p:handoutMasterIdLst>
   <p:sldIdLst>
     <p:sldId id="256" r:id="rId2"/>
@@ -17,20 +17,24 @@
     <p:sldId id="331" r:id="rId5"/>
     <p:sldId id="332" r:id="rId6"/>
     <p:sldId id="333" r:id="rId7"/>
-    <p:sldId id="336" r:id="rId8"/>
+    <p:sldId id="348" r:id="rId8"/>
     <p:sldId id="335" r:id="rId9"/>
     <p:sldId id="337" r:id="rId10"/>
     <p:sldId id="338" r:id="rId11"/>
     <p:sldId id="339" r:id="rId12"/>
     <p:sldId id="341" r:id="rId13"/>
     <p:sldId id="340" r:id="rId14"/>
-    <p:sldId id="342" r:id="rId15"/>
+    <p:sldId id="349" r:id="rId15"/>
     <p:sldId id="346" r:id="rId16"/>
     <p:sldId id="343" r:id="rId17"/>
     <p:sldId id="345" r:id="rId18"/>
     <p:sldId id="344" r:id="rId19"/>
-    <p:sldId id="347" r:id="rId20"/>
-    <p:sldId id="348" r:id="rId21"/>
+    <p:sldId id="354" r:id="rId20"/>
+    <p:sldId id="347" r:id="rId21"/>
+    <p:sldId id="351" r:id="rId22"/>
+    <p:sldId id="352" r:id="rId23"/>
+    <p:sldId id="353" r:id="rId24"/>
+    <p:sldId id="350" r:id="rId25"/>
   </p:sldIdLst>
   <p:sldSz cx="12188825" cy="6858000"/>
   <p:notesSz cx="6858000" cy="9144000"/>
@@ -256,7 +260,7 @@
           <a:p>
             <a:fld id="{2507D560-C4D4-4804-8CBF-2C56AB6C6DB9}" type="datetimeFigureOut">
               <a:rPr lang="en-US" smtClean="0"/>
-              <a:t>8/16/2021</a:t>
+              <a:t>11/15/2021</a:t>
             </a:fld>
             <a:endParaRPr lang="en-US"/>
           </a:p>
@@ -421,7 +425,7 @@
           <a:p>
             <a:fld id="{688E7586-9A7B-41FF-B169-85DADA744493}" type="datetimeFigureOut">
               <a:rPr lang="en-US" smtClean="0"/>
-              <a:t>8/16/2021</a:t>
+              <a:t>11/15/2021</a:t>
             </a:fld>
             <a:endParaRPr lang="en-US"/>
           </a:p>
@@ -4148,12 +4152,8 @@
           </a:p>
           <a:p>
             <a:r>
-              <a:rPr lang="en-US" smtClean="0"/>
-              <a:t>Spring/Fall </a:t>
-            </a:r>
-            <a:r>
-              <a:rPr lang="en-US" dirty="0"/>
-              <a:t>20XX</a:t>
+              <a:rPr lang="en-US" dirty="0"/>
+              <a:t>Spring/Fall 20XX</a:t>
             </a:r>
           </a:p>
         </p:txBody>
@@ -7394,7 +7394,7 @@
             </a:r>
             <a:r>
               <a:rPr lang="en-US" dirty="0"/>
-              <a:t> statements and loops</a:t>
+              <a:t> loop basics</a:t>
             </a:r>
           </a:p>
           <a:p>
@@ -7406,7 +7406,7 @@
           <a:p>
             <a:r>
               <a:rPr lang="en-US" b="1" dirty="0"/>
-              <a:t>More uses of </a:t>
+              <a:t>More advanced </a:t>
             </a:r>
             <a:r>
               <a:rPr lang="en-US" b="1" dirty="0">
@@ -7417,6 +7417,18 @@
             <a:r>
               <a:rPr lang="en-US" b="1" dirty="0"/>
               <a:t> loops</a:t>
+            </a:r>
+          </a:p>
+          <a:p>
+            <a:r>
+              <a:rPr lang="en-US" dirty="0">
+                <a:latin typeface="Consolas" panose="020B0609020204030204" pitchFamily="49" charset="0"/>
+              </a:rPr>
+              <a:t>for</a:t>
+            </a:r>
+            <a:r>
+              <a:rPr lang="en-US" dirty="0"/>
+              <a:t> loops with arrays</a:t>
             </a:r>
           </a:p>
         </p:txBody>
@@ -7452,7 +7464,7 @@
     </p:spTree>
     <p:extLst>
       <p:ext uri="{BB962C8B-B14F-4D97-AF65-F5344CB8AC3E}">
-        <p14:creationId xmlns:p14="http://schemas.microsoft.com/office/powerpoint/2010/main" val="780067593"/>
+        <p14:creationId xmlns:p14="http://schemas.microsoft.com/office/powerpoint/2010/main" val="3791909229"/>
       </p:ext>
     </p:extLst>
   </p:cSld>
@@ -7461,10 +7473,10 @@
   </p:clrMapOvr>
   <mc:AlternateContent xmlns:mc="http://schemas.openxmlformats.org/markup-compatibility/2006" xmlns:p14="http://schemas.microsoft.com/office/powerpoint/2010/main">
     <mc:Choice Requires="p14">
-      <p:transition spd="slow" p14:dur="2000" advTm="7115"/>
+      <p:transition spd="slow" p14:dur="2000" advTm="10273"/>
     </mc:Choice>
     <mc:Fallback xmlns="">
-      <p:transition spd="slow" advTm="7115"/>
+      <p:transition spd="slow" advTm="10273"/>
     </mc:Fallback>
   </mc:AlternateContent>
 </p:sld>
@@ -8212,6 +8224,246 @@
           </a:p>
         </p:txBody>
       </p:sp>
+      <p:sp>
+        <p:nvSpPr>
+          <p:cNvPr id="7" name="TextBox 6">
+            <a:extLst>
+              <a:ext uri="{FF2B5EF4-FFF2-40B4-BE49-F238E27FC236}">
+                <a16:creationId xmlns:a16="http://schemas.microsoft.com/office/drawing/2014/main" id="{EDA3D162-49A6-4B20-9DE0-78928315B8BE}"/>
+              </a:ext>
+            </a:extLst>
+          </p:cNvPr>
+          <p:cNvSpPr txBox="1"/>
+          <p:nvPr/>
+        </p:nvSpPr>
+        <p:spPr>
+          <a:xfrm>
+            <a:off x="8532812" y="3242101"/>
+            <a:ext cx="3352800" cy="830997"/>
+          </a:xfrm>
+          <a:prstGeom prst="rect">
+            <a:avLst/>
+          </a:prstGeom>
+          <a:noFill/>
+        </p:spPr>
+        <p:txBody>
+          <a:bodyPr wrap="square" rtlCol="0">
+            <a:spAutoFit/>
+          </a:bodyPr>
+          <a:lstStyle/>
+          <a:p>
+            <a:r>
+              <a:rPr lang="en-US" dirty="0"/>
+              <a:t>Loop condition based on user input</a:t>
+            </a:r>
+          </a:p>
+        </p:txBody>
+      </p:sp>
+      <p:cxnSp>
+        <p:nvCxnSpPr>
+          <p:cNvPr id="9" name="Straight Arrow Connector 8">
+            <a:extLst>
+              <a:ext uri="{FF2B5EF4-FFF2-40B4-BE49-F238E27FC236}">
+                <a16:creationId xmlns:a16="http://schemas.microsoft.com/office/drawing/2014/main" id="{E01F1BF4-93B2-46A1-BA8A-BAB7C2F63826}"/>
+              </a:ext>
+            </a:extLst>
+          </p:cNvPr>
+          <p:cNvCxnSpPr>
+            <a:cxnSpLocks/>
+          </p:cNvCxnSpPr>
+          <p:nvPr/>
+        </p:nvCxnSpPr>
+        <p:spPr>
+          <a:xfrm flipH="1" flipV="1">
+            <a:off x="6437312" y="3276600"/>
+            <a:ext cx="2095500" cy="381000"/>
+          </a:xfrm>
+          <a:prstGeom prst="straightConnector1">
+            <a:avLst/>
+          </a:prstGeom>
+          <a:ln>
+            <a:tailEnd type="triangle"/>
+          </a:ln>
+        </p:spPr>
+        <p:style>
+          <a:lnRef idx="2">
+            <a:schemeClr val="accent6"/>
+          </a:lnRef>
+          <a:fillRef idx="0">
+            <a:schemeClr val="accent6"/>
+          </a:fillRef>
+          <a:effectRef idx="1">
+            <a:schemeClr val="accent6"/>
+          </a:effectRef>
+          <a:fontRef idx="minor">
+            <a:schemeClr val="tx1"/>
+          </a:fontRef>
+        </p:style>
+      </p:cxnSp>
+      <p:sp>
+        <p:nvSpPr>
+          <p:cNvPr id="13" name="TextBox 12">
+            <a:extLst>
+              <a:ext uri="{FF2B5EF4-FFF2-40B4-BE49-F238E27FC236}">
+                <a16:creationId xmlns:a16="http://schemas.microsoft.com/office/drawing/2014/main" id="{CE9144F8-E460-4FCD-B4D4-15AB19C6191F}"/>
+              </a:ext>
+            </a:extLst>
+          </p:cNvPr>
+          <p:cNvSpPr txBox="1"/>
+          <p:nvPr/>
+        </p:nvSpPr>
+        <p:spPr>
+          <a:xfrm>
+            <a:off x="8304213" y="5228010"/>
+            <a:ext cx="3352800" cy="830997"/>
+          </a:xfrm>
+          <a:prstGeom prst="rect">
+            <a:avLst/>
+          </a:prstGeom>
+          <a:noFill/>
+        </p:spPr>
+        <p:txBody>
+          <a:bodyPr wrap="square" rtlCol="0">
+            <a:spAutoFit/>
+          </a:bodyPr>
+          <a:lstStyle/>
+          <a:p>
+            <a:r>
+              <a:rPr lang="en-US" dirty="0"/>
+              <a:t>Get the price of an </a:t>
+            </a:r>
+            <a:r>
+              <a:rPr lang="en-US" dirty="0">
+                <a:latin typeface="Consolas" panose="020B0609020204030204" pitchFamily="49" charset="0"/>
+              </a:rPr>
+              <a:t>Item</a:t>
+            </a:r>
+            <a:r>
+              <a:rPr lang="en-US" dirty="0"/>
+              <a:t>, convert it to </a:t>
+            </a:r>
+            <a:r>
+              <a:rPr lang="en-US" dirty="0">
+                <a:latin typeface="Consolas" panose="020B0609020204030204" pitchFamily="49" charset="0"/>
+              </a:rPr>
+              <a:t>int</a:t>
+            </a:r>
+          </a:p>
+        </p:txBody>
+      </p:sp>
+      <p:cxnSp>
+        <p:nvCxnSpPr>
+          <p:cNvPr id="15" name="Straight Arrow Connector 14">
+            <a:extLst>
+              <a:ext uri="{FF2B5EF4-FFF2-40B4-BE49-F238E27FC236}">
+                <a16:creationId xmlns:a16="http://schemas.microsoft.com/office/drawing/2014/main" id="{9FE67D15-B4B2-48AF-80EE-BE0958349AEF}"/>
+              </a:ext>
+            </a:extLst>
+          </p:cNvPr>
+          <p:cNvCxnSpPr/>
+          <p:nvPr/>
+        </p:nvCxnSpPr>
+        <p:spPr>
+          <a:xfrm flipH="1" flipV="1">
+            <a:off x="7313612" y="5077223"/>
+            <a:ext cx="1066800" cy="409177"/>
+          </a:xfrm>
+          <a:prstGeom prst="straightConnector1">
+            <a:avLst/>
+          </a:prstGeom>
+          <a:ln>
+            <a:tailEnd type="triangle"/>
+          </a:ln>
+        </p:spPr>
+        <p:style>
+          <a:lnRef idx="2">
+            <a:schemeClr val="accent6"/>
+          </a:lnRef>
+          <a:fillRef idx="0">
+            <a:schemeClr val="accent6"/>
+          </a:fillRef>
+          <a:effectRef idx="1">
+            <a:schemeClr val="accent6"/>
+          </a:effectRef>
+          <a:fontRef idx="minor">
+            <a:schemeClr val="tx1"/>
+          </a:fontRef>
+        </p:style>
+      </p:cxnSp>
+      <p:sp>
+        <p:nvSpPr>
+          <p:cNvPr id="16" name="TextBox 15">
+            <a:extLst>
+              <a:ext uri="{FF2B5EF4-FFF2-40B4-BE49-F238E27FC236}">
+                <a16:creationId xmlns:a16="http://schemas.microsoft.com/office/drawing/2014/main" id="{8E6E0812-178B-4203-9E5E-FC12C1472C22}"/>
+              </a:ext>
+            </a:extLst>
+          </p:cNvPr>
+          <p:cNvSpPr txBox="1"/>
+          <p:nvPr/>
+        </p:nvSpPr>
+        <p:spPr>
+          <a:xfrm>
+            <a:off x="2398712" y="6167735"/>
+            <a:ext cx="4432624" cy="461665"/>
+          </a:xfrm>
+          <a:prstGeom prst="rect">
+            <a:avLst/>
+          </a:prstGeom>
+          <a:noFill/>
+        </p:spPr>
+        <p:txBody>
+          <a:bodyPr wrap="none" rtlCol="0">
+            <a:spAutoFit/>
+          </a:bodyPr>
+          <a:lstStyle/>
+          <a:p>
+            <a:r>
+              <a:rPr lang="en-US" dirty="0"/>
+              <a:t>Counts out whole dollars in price</a:t>
+            </a:r>
+          </a:p>
+        </p:txBody>
+      </p:sp>
+      <p:cxnSp>
+        <p:nvCxnSpPr>
+          <p:cNvPr id="18" name="Straight Arrow Connector 17">
+            <a:extLst>
+              <a:ext uri="{FF2B5EF4-FFF2-40B4-BE49-F238E27FC236}">
+                <a16:creationId xmlns:a16="http://schemas.microsoft.com/office/drawing/2014/main" id="{69549C35-42D3-460D-B312-A8EAE05DC971}"/>
+              </a:ext>
+            </a:extLst>
+          </p:cNvPr>
+          <p:cNvCxnSpPr/>
+          <p:nvPr/>
+        </p:nvCxnSpPr>
+        <p:spPr>
+          <a:xfrm flipV="1">
+            <a:off x="5332412" y="5715000"/>
+            <a:ext cx="533400" cy="533400"/>
+          </a:xfrm>
+          <a:prstGeom prst="straightConnector1">
+            <a:avLst/>
+          </a:prstGeom>
+          <a:ln>
+            <a:tailEnd type="triangle"/>
+          </a:ln>
+        </p:spPr>
+        <p:style>
+          <a:lnRef idx="2">
+            <a:schemeClr val="accent6"/>
+          </a:lnRef>
+          <a:fillRef idx="0">
+            <a:schemeClr val="accent6"/>
+          </a:fillRef>
+          <a:effectRef idx="1">
+            <a:schemeClr val="accent6"/>
+          </a:effectRef>
+          <a:fontRef idx="minor">
+            <a:schemeClr val="tx1"/>
+          </a:fontRef>
+        </p:style>
+      </p:cxnSp>
     </p:spTree>
     <p:extLst>
       <p:ext uri="{BB962C8B-B14F-4D97-AF65-F5344CB8AC3E}">
@@ -10312,6 +10564,324 @@
           <p:cNvPr id="2" name="Title 1">
             <a:extLst>
               <a:ext uri="{FF2B5EF4-FFF2-40B4-BE49-F238E27FC236}">
+                <a16:creationId xmlns:a16="http://schemas.microsoft.com/office/drawing/2014/main" id="{D06A0334-9B0C-4E3D-8ECE-7C38D2FE1A60}"/>
+              </a:ext>
+            </a:extLst>
+          </p:cNvPr>
+          <p:cNvSpPr>
+            <a:spLocks noGrp="1"/>
+          </p:cNvSpPr>
+          <p:nvPr>
+            <p:ph type="title"/>
+          </p:nvPr>
+        </p:nvSpPr>
+        <p:spPr/>
+        <p:txBody>
+          <a:bodyPr/>
+          <a:lstStyle/>
+          <a:p>
+            <a:r>
+              <a:rPr lang="en-US" dirty="0"/>
+              <a:t>Combining While and For</a:t>
+            </a:r>
+          </a:p>
+        </p:txBody>
+      </p:sp>
+      <p:sp>
+        <p:nvSpPr>
+          <p:cNvPr id="3" name="Content Placeholder 2">
+            <a:extLst>
+              <a:ext uri="{FF2B5EF4-FFF2-40B4-BE49-F238E27FC236}">
+                <a16:creationId xmlns:a16="http://schemas.microsoft.com/office/drawing/2014/main" id="{890E2DBE-5BA9-4109-98F4-CEF817127EA3}"/>
+              </a:ext>
+            </a:extLst>
+          </p:cNvPr>
+          <p:cNvSpPr>
+            <a:spLocks noGrp="1"/>
+          </p:cNvSpPr>
+          <p:nvPr>
+            <p:ph idx="1"/>
+          </p:nvPr>
+        </p:nvSpPr>
+        <p:spPr/>
+        <p:txBody>
+          <a:bodyPr/>
+          <a:lstStyle/>
+          <a:p>
+            <a:r>
+              <a:rPr lang="en-US" dirty="0"/>
+              <a:t>Ask the user to enter a positive number repeatedly, until they enter “Q” to quit. If the user enters a positive number, display that number of “*” symbols on one line. Ignore invalid input.</a:t>
+            </a:r>
+          </a:p>
+          <a:p>
+            <a:r>
+              <a:rPr lang="en-US" dirty="0"/>
+              <a:t>Sentinel value: “Q”</a:t>
+            </a:r>
+          </a:p>
+          <a:p>
+            <a:pPr lvl="1"/>
+            <a:r>
+              <a:rPr lang="en-US" dirty="0"/>
+              <a:t>Need to use a </a:t>
+            </a:r>
+            <a:r>
+              <a:rPr lang="en-US" dirty="0">
+                <a:latin typeface="Consolas" panose="020B0609020204030204" pitchFamily="49" charset="0"/>
+              </a:rPr>
+              <a:t>while</a:t>
+            </a:r>
+            <a:r>
+              <a:rPr lang="en-US" dirty="0"/>
+              <a:t> loop</a:t>
+            </a:r>
+          </a:p>
+          <a:p>
+            <a:r>
+              <a:rPr lang="en-US" dirty="0"/>
+              <a:t>Printing “*” symbols: counter-controlled loop</a:t>
+            </a:r>
+          </a:p>
+          <a:p>
+            <a:r>
+              <a:rPr lang="en-US" dirty="0"/>
+              <a:t>Ignore invalid input: Need to use </a:t>
+            </a:r>
+            <a:r>
+              <a:rPr lang="en-US" dirty="0" err="1"/>
+              <a:t>TryParse</a:t>
+            </a:r>
+            <a:endParaRPr lang="en-US" dirty="0"/>
+          </a:p>
+        </p:txBody>
+      </p:sp>
+      <p:sp>
+        <p:nvSpPr>
+          <p:cNvPr id="4" name="Footer Placeholder 3">
+            <a:extLst>
+              <a:ext uri="{FF2B5EF4-FFF2-40B4-BE49-F238E27FC236}">
+                <a16:creationId xmlns:a16="http://schemas.microsoft.com/office/drawing/2014/main" id="{0777F703-0E36-4770-9E60-61022D0E4EF9}"/>
+              </a:ext>
+            </a:extLst>
+          </p:cNvPr>
+          <p:cNvSpPr>
+            <a:spLocks noGrp="1"/>
+          </p:cNvSpPr>
+          <p:nvPr>
+            <p:ph type="ftr" sz="quarter" idx="11"/>
+          </p:nvPr>
+        </p:nvSpPr>
+        <p:spPr/>
+        <p:txBody>
+          <a:bodyPr/>
+          <a:lstStyle/>
+          <a:p>
+            <a:r>
+              <a:rPr lang="en-US"/>
+              <a:t>CSCI 1301</a:t>
+            </a:r>
+          </a:p>
+        </p:txBody>
+      </p:sp>
+    </p:spTree>
+    <p:extLst>
+      <p:ext uri="{BB962C8B-B14F-4D97-AF65-F5344CB8AC3E}">
+        <p14:creationId xmlns:p14="http://schemas.microsoft.com/office/powerpoint/2010/main" val="2632694878"/>
+      </p:ext>
+    </p:extLst>
+  </p:cSld>
+  <p:clrMapOvr>
+    <a:masterClrMapping/>
+  </p:clrMapOvr>
+</p:sld>
+</file>
+
+<file path=ppt/slides/slide2.xml><?xml version="1.0" encoding="utf-8"?>
+<p:sld xmlns:a="http://schemas.openxmlformats.org/drawingml/2006/main" xmlns:r="http://schemas.openxmlformats.org/officeDocument/2006/relationships" xmlns:p="http://schemas.openxmlformats.org/presentationml/2006/main">
+  <p:cSld>
+    <p:spTree>
+      <p:nvGrpSpPr>
+        <p:cNvPr id="1" name=""/>
+        <p:cNvGrpSpPr/>
+        <p:nvPr/>
+      </p:nvGrpSpPr>
+      <p:grpSpPr>
+        <a:xfrm>
+          <a:off x="0" y="0"/>
+          <a:ext cx="0" cy="0"/>
+          <a:chOff x="0" y="0"/>
+          <a:chExt cx="0" cy="0"/>
+        </a:xfrm>
+      </p:grpSpPr>
+      <p:sp>
+        <p:nvSpPr>
+          <p:cNvPr id="2" name="Title 1">
+            <a:extLst>
+              <a:ext uri="{FF2B5EF4-FFF2-40B4-BE49-F238E27FC236}">
+                <a16:creationId xmlns:a16="http://schemas.microsoft.com/office/drawing/2014/main" id="{42F1B814-6282-4075-A22A-DC3ABFDC9ED3}"/>
+              </a:ext>
+            </a:extLst>
+          </p:cNvPr>
+          <p:cNvSpPr>
+            <a:spLocks noGrp="1"/>
+          </p:cNvSpPr>
+          <p:nvPr>
+            <p:ph type="title"/>
+          </p:nvPr>
+        </p:nvSpPr>
+        <p:spPr/>
+        <p:txBody>
+          <a:bodyPr/>
+          <a:lstStyle/>
+          <a:p>
+            <a:r>
+              <a:rPr lang="en-US" dirty="0"/>
+              <a:t>Outline</a:t>
+            </a:r>
+          </a:p>
+        </p:txBody>
+      </p:sp>
+      <p:sp>
+        <p:nvSpPr>
+          <p:cNvPr id="3" name="Content Placeholder 2">
+            <a:extLst>
+              <a:ext uri="{FF2B5EF4-FFF2-40B4-BE49-F238E27FC236}">
+                <a16:creationId xmlns:a16="http://schemas.microsoft.com/office/drawing/2014/main" id="{A21C63A1-E39A-4E80-92B5-E2FCBFF8D55C}"/>
+              </a:ext>
+            </a:extLst>
+          </p:cNvPr>
+          <p:cNvSpPr>
+            <a:spLocks noGrp="1"/>
+          </p:cNvSpPr>
+          <p:nvPr>
+            <p:ph idx="1"/>
+          </p:nvPr>
+        </p:nvSpPr>
+        <p:spPr/>
+        <p:txBody>
+          <a:bodyPr>
+            <a:normAutofit/>
+          </a:bodyPr>
+          <a:lstStyle/>
+          <a:p>
+            <a:r>
+              <a:rPr lang="en-US" dirty="0">
+                <a:latin typeface="Consolas" panose="020B0609020204030204" pitchFamily="49" charset="0"/>
+              </a:rPr>
+              <a:t>for</a:t>
+            </a:r>
+            <a:r>
+              <a:rPr lang="en-US" dirty="0"/>
+              <a:t> loop basics</a:t>
+            </a:r>
+          </a:p>
+          <a:p>
+            <a:r>
+              <a:rPr lang="en-US" dirty="0"/>
+              <a:t>Limitations and pitfalls</a:t>
+            </a:r>
+          </a:p>
+          <a:p>
+            <a:r>
+              <a:rPr lang="en-US" dirty="0"/>
+              <a:t>More advanced </a:t>
+            </a:r>
+            <a:r>
+              <a:rPr lang="en-US" dirty="0">
+                <a:latin typeface="Consolas" panose="020B0609020204030204" pitchFamily="49" charset="0"/>
+              </a:rPr>
+              <a:t>for</a:t>
+            </a:r>
+            <a:r>
+              <a:rPr lang="en-US" dirty="0"/>
+              <a:t> loops</a:t>
+            </a:r>
+          </a:p>
+          <a:p>
+            <a:r>
+              <a:rPr lang="en-US" dirty="0">
+                <a:latin typeface="Consolas" panose="020B0609020204030204" pitchFamily="49" charset="0"/>
+              </a:rPr>
+              <a:t>for</a:t>
+            </a:r>
+            <a:r>
+              <a:rPr lang="en-US" dirty="0"/>
+              <a:t> loops with arrays</a:t>
+            </a:r>
+          </a:p>
+        </p:txBody>
+      </p:sp>
+      <p:sp>
+        <p:nvSpPr>
+          <p:cNvPr id="4" name="Footer Placeholder 3">
+            <a:extLst>
+              <a:ext uri="{FF2B5EF4-FFF2-40B4-BE49-F238E27FC236}">
+                <a16:creationId xmlns:a16="http://schemas.microsoft.com/office/drawing/2014/main" id="{C185642E-D901-43E9-B9EC-3B1DBFC4E326}"/>
+              </a:ext>
+            </a:extLst>
+          </p:cNvPr>
+          <p:cNvSpPr>
+            <a:spLocks noGrp="1"/>
+          </p:cNvSpPr>
+          <p:nvPr>
+            <p:ph type="ftr" sz="quarter" idx="11"/>
+          </p:nvPr>
+        </p:nvSpPr>
+        <p:spPr/>
+        <p:txBody>
+          <a:bodyPr/>
+          <a:lstStyle/>
+          <a:p>
+            <a:r>
+              <a:rPr lang="en-US"/>
+              <a:t>CSCI 1301</a:t>
+            </a:r>
+          </a:p>
+        </p:txBody>
+      </p:sp>
+    </p:spTree>
+    <p:extLst>
+      <p:ext uri="{BB962C8B-B14F-4D97-AF65-F5344CB8AC3E}">
+        <p14:creationId xmlns:p14="http://schemas.microsoft.com/office/powerpoint/2010/main" val="905501653"/>
+      </p:ext>
+    </p:extLst>
+  </p:cSld>
+  <p:clrMapOvr>
+    <a:masterClrMapping/>
+  </p:clrMapOvr>
+  <mc:AlternateContent xmlns:mc="http://schemas.openxmlformats.org/markup-compatibility/2006" xmlns:p14="http://schemas.microsoft.com/office/powerpoint/2010/main">
+    <mc:Choice Requires="p14">
+      <p:transition spd="slow" p14:dur="2000" advTm="10273"/>
+    </mc:Choice>
+    <mc:Fallback xmlns="">
+      <p:transition spd="slow" advTm="10273"/>
+    </mc:Fallback>
+  </mc:AlternateContent>
+</p:sld>
+</file>
+
+<file path=ppt/slides/slide20.xml><?xml version="1.0" encoding="utf-8"?>
+<p:sld xmlns:a="http://schemas.openxmlformats.org/drawingml/2006/main" xmlns:r="http://schemas.openxmlformats.org/officeDocument/2006/relationships" xmlns:p="http://schemas.openxmlformats.org/presentationml/2006/main">
+  <p:cSld>
+    <p:spTree>
+      <p:nvGrpSpPr>
+        <p:cNvPr id="1" name=""/>
+        <p:cNvGrpSpPr/>
+        <p:nvPr/>
+      </p:nvGrpSpPr>
+      <p:grpSpPr>
+        <a:xfrm>
+          <a:off x="0" y="0"/>
+          <a:ext cx="0" cy="0"/>
+          <a:chOff x="0" y="0"/>
+          <a:chExt cx="0" cy="0"/>
+        </a:xfrm>
+      </p:grpSpPr>
+      <p:sp>
+        <p:nvSpPr>
+          <p:cNvPr id="2" name="Title 1">
+            <a:extLst>
+              <a:ext uri="{FF2B5EF4-FFF2-40B4-BE49-F238E27FC236}">
                 <a16:creationId xmlns:a16="http://schemas.microsoft.com/office/drawing/2014/main" id="{42180565-1A7E-4CB0-9220-A7AD33323777}"/>
               </a:ext>
             </a:extLst>
@@ -10571,49 +11141,7 @@
           </a:p>
           <a:p>
             <a:r>
-              <a:rPr lang="en-US" dirty="0">
-                <a:solidFill>
-                  <a:schemeClr val="tx1"/>
-                </a:solidFill>
-              </a:rPr>
-              <a:t>  </a:t>
-            </a:r>
-            <a:r>
-              <a:rPr lang="en-US" dirty="0"/>
-              <a:t>int</a:t>
-            </a:r>
-            <a:r>
-              <a:rPr lang="en-US" dirty="0">
-                <a:solidFill>
-                  <a:schemeClr val="tx1"/>
-                </a:solidFill>
-              </a:rPr>
-              <a:t> </a:t>
-            </a:r>
-            <a:r>
-              <a:rPr lang="en-US" dirty="0" err="1">
-                <a:solidFill>
-                  <a:schemeClr val="tx1"/>
-                </a:solidFill>
-              </a:rPr>
-              <a:t>inputNum</a:t>
-            </a:r>
-            <a:r>
-              <a:rPr lang="en-US" dirty="0">
-                <a:solidFill>
-                  <a:schemeClr val="tx1"/>
-                </a:solidFill>
-              </a:rPr>
-              <a:t>;</a:t>
-            </a:r>
-          </a:p>
-          <a:p>
-            <a:r>
-              <a:rPr lang="en-US" dirty="0">
-                <a:solidFill>
-                  <a:schemeClr val="tx1"/>
-                </a:solidFill>
-              </a:rPr>
+              <a:rPr lang="en-US" dirty="0"/>
               <a:t>  </a:t>
             </a:r>
             <a:r>
@@ -10673,6 +11201,10 @@
               <a:t> </a:t>
             </a:r>
             <a:r>
+              <a:rPr lang="en-US" dirty="0"/>
+              <a:t>int </a:t>
+            </a:r>
+            <a:r>
               <a:rPr lang="en-US" dirty="0" err="1">
                 <a:solidFill>
                   <a:schemeClr val="tx1"/>
@@ -10876,7 +11408,7 @@
                   <a:srgbClr val="CC9900"/>
                 </a:solidFill>
               </a:rPr>
-              <a:t>WriteLine</a:t>
+              <a:t>Write</a:t>
             </a:r>
             <a:r>
               <a:rPr lang="en-US" dirty="0">
@@ -10892,7 +11424,7 @@
                   <a:srgbClr val="FF5050"/>
                 </a:solidFill>
               </a:rPr>
-              <a:t>"**********"</a:t>
+              <a:t>"*"</a:t>
             </a:r>
             <a:r>
               <a:rPr lang="en-US" dirty="0">
@@ -10916,6 +11448,48 @@
                 </a:solidFill>
               </a:rPr>
               <a:t>    }</a:t>
+            </a:r>
+          </a:p>
+          <a:p>
+            <a:r>
+              <a:rPr lang="en-US" dirty="0">
+                <a:solidFill>
+                  <a:schemeClr val="tx1"/>
+                </a:solidFill>
+              </a:rPr>
+              <a:t>    </a:t>
+            </a:r>
+            <a:r>
+              <a:rPr lang="en-US" dirty="0" err="1">
+                <a:solidFill>
+                  <a:srgbClr val="66FFCC"/>
+                </a:solidFill>
+              </a:rPr>
+              <a:t>Console</a:t>
+            </a:r>
+            <a:r>
+              <a:rPr lang="en-US" dirty="0" err="1">
+                <a:solidFill>
+                  <a:schemeClr val="tx1"/>
+                </a:solidFill>
+              </a:rPr>
+              <a:t>.</a:t>
+            </a:r>
+            <a:r>
+              <a:rPr lang="en-US" dirty="0" err="1">
+                <a:solidFill>
+                  <a:srgbClr val="CC9900"/>
+                </a:solidFill>
+              </a:rPr>
+              <a:t>WriteLine</a:t>
+            </a:r>
+            <a:r>
+              <a:rPr lang="en-US" dirty="0">
+                <a:solidFill>
+                  <a:schemeClr val="tx1"/>
+                </a:solidFill>
+              </a:rPr>
+              <a:t>();</a:t>
             </a:r>
           </a:p>
           <a:p>
@@ -11072,7 +11646,7 @@
         </p:nvSpPr>
         <p:spPr>
           <a:xfrm>
-            <a:off x="7542212" y="4343400"/>
+            <a:off x="7618412" y="4038600"/>
             <a:ext cx="3733800" cy="830997"/>
           </a:xfrm>
           <a:prstGeom prst="rect">
@@ -11088,7 +11662,7 @@
           <a:p>
             <a:r>
               <a:rPr lang="en-US" dirty="0"/>
-              <a:t>for loop: prints the number of lines the user requested</a:t>
+              <a:t>for loop: prints the number of *’s the user requested</a:t>
             </a:r>
           </a:p>
         </p:txBody>
@@ -11109,7 +11683,7 @@
         </p:nvCxnSpPr>
         <p:spPr>
           <a:xfrm flipH="1">
-            <a:off x="6551612" y="4572000"/>
+            <a:off x="6627812" y="4267200"/>
             <a:ext cx="914400" cy="0"/>
           </a:xfrm>
           <a:prstGeom prst="straightConnector1">
@@ -11148,8 +11722,8 @@
         </p:nvSpPr>
         <p:spPr>
           <a:xfrm>
-            <a:off x="4418012" y="3748520"/>
-            <a:ext cx="3833101" cy="461665"/>
+            <a:off x="4494212" y="3390088"/>
+            <a:ext cx="2842445" cy="461665"/>
           </a:xfrm>
           <a:prstGeom prst="rect">
             <a:avLst/>
@@ -11164,7 +11738,7 @@
           <a:p>
             <a:r>
               <a:rPr lang="en-US" dirty="0"/>
-              <a:t>Check for negative numbers</a:t>
+              <a:t>Check for valid input</a:t>
             </a:r>
           </a:p>
         </p:txBody>
@@ -11185,7 +11759,7 @@
         </p:nvCxnSpPr>
         <p:spPr>
           <a:xfrm flipH="1">
-            <a:off x="3656012" y="3967612"/>
+            <a:off x="3732212" y="3609180"/>
             <a:ext cx="762000" cy="0"/>
           </a:xfrm>
           <a:prstGeom prst="straightConnector1">
@@ -11210,6 +11784,116 @@
           </a:fontRef>
         </p:style>
       </p:cxnSp>
+      <p:sp>
+        <p:nvSpPr>
+          <p:cNvPr id="12" name="Rectangle 11">
+            <a:extLst>
+              <a:ext uri="{FF2B5EF4-FFF2-40B4-BE49-F238E27FC236}">
+                <a16:creationId xmlns:a16="http://schemas.microsoft.com/office/drawing/2014/main" id="{71F2D101-3EE7-4FA2-ACDB-FB704094758E}"/>
+              </a:ext>
+            </a:extLst>
+          </p:cNvPr>
+          <p:cNvSpPr/>
+          <p:nvPr/>
+        </p:nvSpPr>
+        <p:spPr>
+          <a:xfrm>
+            <a:off x="1598612" y="3453218"/>
+            <a:ext cx="1905000" cy="335404"/>
+          </a:xfrm>
+          <a:prstGeom prst="rect">
+            <a:avLst/>
+          </a:prstGeom>
+          <a:solidFill>
+            <a:schemeClr val="bg1">
+              <a:lumMod val="85000"/>
+              <a:lumOff val="15000"/>
+            </a:schemeClr>
+          </a:solidFill>
+          <a:ln>
+            <a:noFill/>
+          </a:ln>
+        </p:spPr>
+        <p:style>
+          <a:lnRef idx="2">
+            <a:schemeClr val="dk1">
+              <a:shade val="50000"/>
+            </a:schemeClr>
+          </a:lnRef>
+          <a:fillRef idx="1">
+            <a:schemeClr val="dk1"/>
+          </a:fillRef>
+          <a:effectRef idx="0">
+            <a:schemeClr val="dk1"/>
+          </a:effectRef>
+          <a:fontRef idx="minor">
+            <a:schemeClr val="lt1"/>
+          </a:fontRef>
+        </p:style>
+        <p:txBody>
+          <a:bodyPr rtlCol="0" anchor="ctr"/>
+          <a:lstStyle/>
+          <a:p>
+            <a:pPr algn="ctr"/>
+            <a:endParaRPr lang="en-US"/>
+          </a:p>
+        </p:txBody>
+      </p:sp>
+      <p:sp>
+        <p:nvSpPr>
+          <p:cNvPr id="14" name="Rectangle 13">
+            <a:extLst>
+              <a:ext uri="{FF2B5EF4-FFF2-40B4-BE49-F238E27FC236}">
+                <a16:creationId xmlns:a16="http://schemas.microsoft.com/office/drawing/2014/main" id="{1F26670B-1361-4601-9532-E04DEC5F5629}"/>
+              </a:ext>
+            </a:extLst>
+          </p:cNvPr>
+          <p:cNvSpPr/>
+          <p:nvPr/>
+        </p:nvSpPr>
+        <p:spPr>
+          <a:xfrm>
+            <a:off x="3759500" y="4092225"/>
+            <a:ext cx="1877712" cy="335404"/>
+          </a:xfrm>
+          <a:prstGeom prst="rect">
+            <a:avLst/>
+          </a:prstGeom>
+          <a:solidFill>
+            <a:schemeClr val="bg1">
+              <a:lumMod val="85000"/>
+              <a:lumOff val="15000"/>
+            </a:schemeClr>
+          </a:solidFill>
+          <a:ln>
+            <a:noFill/>
+          </a:ln>
+        </p:spPr>
+        <p:style>
+          <a:lnRef idx="2">
+            <a:schemeClr val="dk1">
+              <a:shade val="50000"/>
+            </a:schemeClr>
+          </a:lnRef>
+          <a:fillRef idx="1">
+            <a:schemeClr val="dk1"/>
+          </a:fillRef>
+          <a:effectRef idx="0">
+            <a:schemeClr val="dk1"/>
+          </a:effectRef>
+          <a:fontRef idx="minor">
+            <a:schemeClr val="lt1"/>
+          </a:fontRef>
+        </p:style>
+        <p:txBody>
+          <a:bodyPr rtlCol="0" anchor="ctr"/>
+          <a:lstStyle/>
+          <a:p>
+            <a:pPr algn="ctr"/>
+            <a:endParaRPr lang="en-US"/>
+          </a:p>
+        </p:txBody>
+      </p:sp>
     </p:spTree>
     <p:extLst>
       <p:ext uri="{BB962C8B-B14F-4D97-AF65-F5344CB8AC3E}">
@@ -11228,10 +11912,626 @@
       <p:transition spd="slow" advTm="175120"/>
     </mc:Fallback>
   </mc:AlternateContent>
+  <p:timing>
+    <p:tnLst>
+      <p:par>
+        <p:cTn id="1" dur="indefinite" restart="never" nodeType="tmRoot">
+          <p:childTnLst>
+            <p:seq concurrent="1" nextAc="seek">
+              <p:cTn id="2" dur="indefinite" nodeType="mainSeq">
+                <p:childTnLst>
+                  <p:par>
+                    <p:cTn id="3" fill="hold">
+                      <p:stCondLst>
+                        <p:cond delay="indefinite"/>
+                      </p:stCondLst>
+                      <p:childTnLst>
+                        <p:par>
+                          <p:cTn id="4" fill="hold">
+                            <p:stCondLst>
+                              <p:cond delay="0"/>
+                            </p:stCondLst>
+                            <p:childTnLst>
+                              <p:par>
+                                <p:cTn id="5" presetID="1" presetClass="entr" presetSubtype="0" fill="hold" nodeType="clickEffect">
+                                  <p:stCondLst>
+                                    <p:cond delay="0"/>
+                                  </p:stCondLst>
+                                  <p:childTnLst>
+                                    <p:set>
+                                      <p:cBhvr>
+                                        <p:cTn id="6" dur="1" fill="hold">
+                                          <p:stCondLst>
+                                            <p:cond delay="0"/>
+                                          </p:stCondLst>
+                                        </p:cTn>
+                                        <p:tgtEl>
+                                          <p:spTgt spid="5">
+                                            <p:txEl>
+                                              <p:pRg st="4" end="4"/>
+                                            </p:txEl>
+                                          </p:spTgt>
+                                        </p:tgtEl>
+                                        <p:attrNameLst>
+                                          <p:attrName>style.visibility</p:attrName>
+                                        </p:attrNameLst>
+                                      </p:cBhvr>
+                                      <p:to>
+                                        <p:strVal val="visible"/>
+                                      </p:to>
+                                    </p:set>
+                                  </p:childTnLst>
+                                </p:cTn>
+                              </p:par>
+                              <p:par>
+                                <p:cTn id="7" presetID="1" presetClass="entr" presetSubtype="0" fill="hold" nodeType="withEffect">
+                                  <p:stCondLst>
+                                    <p:cond delay="0"/>
+                                  </p:stCondLst>
+                                  <p:childTnLst>
+                                    <p:set>
+                                      <p:cBhvr>
+                                        <p:cTn id="8" dur="1" fill="hold">
+                                          <p:stCondLst>
+                                            <p:cond delay="0"/>
+                                          </p:stCondLst>
+                                        </p:cTn>
+                                        <p:tgtEl>
+                                          <p:spTgt spid="5">
+                                            <p:txEl>
+                                              <p:pRg st="5" end="5"/>
+                                            </p:txEl>
+                                          </p:spTgt>
+                                        </p:tgtEl>
+                                        <p:attrNameLst>
+                                          <p:attrName>style.visibility</p:attrName>
+                                        </p:attrNameLst>
+                                      </p:cBhvr>
+                                      <p:to>
+                                        <p:strVal val="visible"/>
+                                      </p:to>
+                                    </p:set>
+                                  </p:childTnLst>
+                                </p:cTn>
+                              </p:par>
+                            </p:childTnLst>
+                          </p:cTn>
+                        </p:par>
+                      </p:childTnLst>
+                    </p:cTn>
+                  </p:par>
+                  <p:par>
+                    <p:cTn id="9" fill="hold">
+                      <p:stCondLst>
+                        <p:cond delay="indefinite"/>
+                      </p:stCondLst>
+                      <p:childTnLst>
+                        <p:par>
+                          <p:cTn id="10" fill="hold">
+                            <p:stCondLst>
+                              <p:cond delay="0"/>
+                            </p:stCondLst>
+                            <p:childTnLst>
+                              <p:par>
+                                <p:cTn id="11" presetID="1" presetClass="entr" presetSubtype="0" fill="hold" nodeType="clickEffect">
+                                  <p:stCondLst>
+                                    <p:cond delay="0"/>
+                                  </p:stCondLst>
+                                  <p:childTnLst>
+                                    <p:set>
+                                      <p:cBhvr>
+                                        <p:cTn id="12" dur="1" fill="hold">
+                                          <p:stCondLst>
+                                            <p:cond delay="0"/>
+                                          </p:stCondLst>
+                                        </p:cTn>
+                                        <p:tgtEl>
+                                          <p:spTgt spid="5">
+                                            <p:txEl>
+                                              <p:pRg st="6" end="6"/>
+                                            </p:txEl>
+                                          </p:spTgt>
+                                        </p:tgtEl>
+                                        <p:attrNameLst>
+                                          <p:attrName>style.visibility</p:attrName>
+                                        </p:attrNameLst>
+                                      </p:cBhvr>
+                                      <p:to>
+                                        <p:strVal val="visible"/>
+                                      </p:to>
+                                    </p:set>
+                                  </p:childTnLst>
+                                </p:cTn>
+                              </p:par>
+                              <p:par>
+                                <p:cTn id="13" presetID="1" presetClass="entr" presetSubtype="0" fill="hold" nodeType="withEffect">
+                                  <p:stCondLst>
+                                    <p:cond delay="0"/>
+                                  </p:stCondLst>
+                                  <p:childTnLst>
+                                    <p:set>
+                                      <p:cBhvr>
+                                        <p:cTn id="14" dur="1" fill="hold">
+                                          <p:stCondLst>
+                                            <p:cond delay="0"/>
+                                          </p:stCondLst>
+                                        </p:cTn>
+                                        <p:tgtEl>
+                                          <p:spTgt spid="5">
+                                            <p:txEl>
+                                              <p:pRg st="7" end="7"/>
+                                            </p:txEl>
+                                          </p:spTgt>
+                                        </p:tgtEl>
+                                        <p:attrNameLst>
+                                          <p:attrName>style.visibility</p:attrName>
+                                        </p:attrNameLst>
+                                      </p:cBhvr>
+                                      <p:to>
+                                        <p:strVal val="visible"/>
+                                      </p:to>
+                                    </p:set>
+                                  </p:childTnLst>
+                                </p:cTn>
+                              </p:par>
+                              <p:par>
+                                <p:cTn id="15" presetID="1" presetClass="entr" presetSubtype="0" fill="hold" nodeType="withEffect">
+                                  <p:stCondLst>
+                                    <p:cond delay="0"/>
+                                  </p:stCondLst>
+                                  <p:childTnLst>
+                                    <p:set>
+                                      <p:cBhvr>
+                                        <p:cTn id="16" dur="1" fill="hold">
+                                          <p:stCondLst>
+                                            <p:cond delay="0"/>
+                                          </p:stCondLst>
+                                        </p:cTn>
+                                        <p:tgtEl>
+                                          <p:spTgt spid="5">
+                                            <p:txEl>
+                                              <p:pRg st="13" end="13"/>
+                                            </p:txEl>
+                                          </p:spTgt>
+                                        </p:tgtEl>
+                                        <p:attrNameLst>
+                                          <p:attrName>style.visibility</p:attrName>
+                                        </p:attrNameLst>
+                                      </p:cBhvr>
+                                      <p:to>
+                                        <p:strVal val="visible"/>
+                                      </p:to>
+                                    </p:set>
+                                  </p:childTnLst>
+                                </p:cTn>
+                              </p:par>
+                              <p:par>
+                                <p:cTn id="17" presetID="1" presetClass="entr" presetSubtype="0" fill="hold" nodeType="withEffect">
+                                  <p:stCondLst>
+                                    <p:cond delay="0"/>
+                                  </p:stCondLst>
+                                  <p:childTnLst>
+                                    <p:set>
+                                      <p:cBhvr>
+                                        <p:cTn id="18" dur="1" fill="hold">
+                                          <p:stCondLst>
+                                            <p:cond delay="0"/>
+                                          </p:stCondLst>
+                                        </p:cTn>
+                                        <p:tgtEl>
+                                          <p:spTgt spid="19"/>
+                                        </p:tgtEl>
+                                        <p:attrNameLst>
+                                          <p:attrName>style.visibility</p:attrName>
+                                        </p:attrNameLst>
+                                      </p:cBhvr>
+                                      <p:to>
+                                        <p:strVal val="visible"/>
+                                      </p:to>
+                                    </p:set>
+                                  </p:childTnLst>
+                                </p:cTn>
+                              </p:par>
+                              <p:par>
+                                <p:cTn id="19" presetID="1" presetClass="entr" presetSubtype="0" fill="hold" grpId="0" nodeType="withEffect">
+                                  <p:stCondLst>
+                                    <p:cond delay="0"/>
+                                  </p:stCondLst>
+                                  <p:childTnLst>
+                                    <p:set>
+                                      <p:cBhvr>
+                                        <p:cTn id="20" dur="1" fill="hold">
+                                          <p:stCondLst>
+                                            <p:cond delay="0"/>
+                                          </p:stCondLst>
+                                        </p:cTn>
+                                        <p:tgtEl>
+                                          <p:spTgt spid="18"/>
+                                        </p:tgtEl>
+                                        <p:attrNameLst>
+                                          <p:attrName>style.visibility</p:attrName>
+                                        </p:attrNameLst>
+                                      </p:cBhvr>
+                                      <p:to>
+                                        <p:strVal val="visible"/>
+                                      </p:to>
+                                    </p:set>
+                                  </p:childTnLst>
+                                </p:cTn>
+                              </p:par>
+                            </p:childTnLst>
+                          </p:cTn>
+                        </p:par>
+                      </p:childTnLst>
+                    </p:cTn>
+                  </p:par>
+                  <p:par>
+                    <p:cTn id="21" fill="hold">
+                      <p:stCondLst>
+                        <p:cond delay="indefinite"/>
+                      </p:stCondLst>
+                      <p:childTnLst>
+                        <p:par>
+                          <p:cTn id="22" fill="hold">
+                            <p:stCondLst>
+                              <p:cond delay="0"/>
+                            </p:stCondLst>
+                            <p:childTnLst>
+                              <p:par>
+                                <p:cTn id="23" presetID="1" presetClass="exit" presetSubtype="0" fill="hold" grpId="0" nodeType="clickEffect">
+                                  <p:stCondLst>
+                                    <p:cond delay="0"/>
+                                  </p:stCondLst>
+                                  <p:childTnLst>
+                                    <p:set>
+                                      <p:cBhvr>
+                                        <p:cTn id="24" dur="1" fill="hold">
+                                          <p:stCondLst>
+                                            <p:cond delay="0"/>
+                                          </p:stCondLst>
+                                        </p:cTn>
+                                        <p:tgtEl>
+                                          <p:spTgt spid="12"/>
+                                        </p:tgtEl>
+                                        <p:attrNameLst>
+                                          <p:attrName>style.visibility</p:attrName>
+                                        </p:attrNameLst>
+                                      </p:cBhvr>
+                                      <p:to>
+                                        <p:strVal val="hidden"/>
+                                      </p:to>
+                                    </p:set>
+                                  </p:childTnLst>
+                                </p:cTn>
+                              </p:par>
+                            </p:childTnLst>
+                          </p:cTn>
+                        </p:par>
+                      </p:childTnLst>
+                    </p:cTn>
+                  </p:par>
+                  <p:par>
+                    <p:cTn id="25" fill="hold">
+                      <p:stCondLst>
+                        <p:cond delay="indefinite"/>
+                      </p:stCondLst>
+                      <p:childTnLst>
+                        <p:par>
+                          <p:cTn id="26" fill="hold">
+                            <p:stCondLst>
+                              <p:cond delay="0"/>
+                            </p:stCondLst>
+                            <p:childTnLst>
+                              <p:par>
+                                <p:cTn id="27" presetID="1" presetClass="entr" presetSubtype="0" fill="hold" nodeType="clickEffect">
+                                  <p:stCondLst>
+                                    <p:cond delay="0"/>
+                                  </p:stCondLst>
+                                  <p:childTnLst>
+                                    <p:set>
+                                      <p:cBhvr>
+                                        <p:cTn id="28" dur="1" fill="hold">
+                                          <p:stCondLst>
+                                            <p:cond delay="0"/>
+                                          </p:stCondLst>
+                                        </p:cTn>
+                                        <p:tgtEl>
+                                          <p:spTgt spid="5">
+                                            <p:txEl>
+                                              <p:pRg st="8" end="8"/>
+                                            </p:txEl>
+                                          </p:spTgt>
+                                        </p:tgtEl>
+                                        <p:attrNameLst>
+                                          <p:attrName>style.visibility</p:attrName>
+                                        </p:attrNameLst>
+                                      </p:cBhvr>
+                                      <p:to>
+                                        <p:strVal val="visible"/>
+                                      </p:to>
+                                    </p:set>
+                                  </p:childTnLst>
+                                </p:cTn>
+                              </p:par>
+                              <p:par>
+                                <p:cTn id="29" presetID="1" presetClass="entr" presetSubtype="0" fill="hold" nodeType="withEffect">
+                                  <p:stCondLst>
+                                    <p:cond delay="0"/>
+                                  </p:stCondLst>
+                                  <p:childTnLst>
+                                    <p:set>
+                                      <p:cBhvr>
+                                        <p:cTn id="30" dur="1" fill="hold">
+                                          <p:stCondLst>
+                                            <p:cond delay="0"/>
+                                          </p:stCondLst>
+                                        </p:cTn>
+                                        <p:tgtEl>
+                                          <p:spTgt spid="5">
+                                            <p:txEl>
+                                              <p:pRg st="9" end="9"/>
+                                            </p:txEl>
+                                          </p:spTgt>
+                                        </p:tgtEl>
+                                        <p:attrNameLst>
+                                          <p:attrName>style.visibility</p:attrName>
+                                        </p:attrNameLst>
+                                      </p:cBhvr>
+                                      <p:to>
+                                        <p:strVal val="visible"/>
+                                      </p:to>
+                                    </p:set>
+                                  </p:childTnLst>
+                                </p:cTn>
+                              </p:par>
+                              <p:par>
+                                <p:cTn id="31" presetID="1" presetClass="entr" presetSubtype="0" fill="hold" nodeType="withEffect">
+                                  <p:stCondLst>
+                                    <p:cond delay="0"/>
+                                  </p:stCondLst>
+                                  <p:childTnLst>
+                                    <p:set>
+                                      <p:cBhvr>
+                                        <p:cTn id="32" dur="1" fill="hold">
+                                          <p:stCondLst>
+                                            <p:cond delay="0"/>
+                                          </p:stCondLst>
+                                        </p:cTn>
+                                        <p:tgtEl>
+                                          <p:spTgt spid="5">
+                                            <p:txEl>
+                                              <p:pRg st="10" end="10"/>
+                                            </p:txEl>
+                                          </p:spTgt>
+                                        </p:tgtEl>
+                                        <p:attrNameLst>
+                                          <p:attrName>style.visibility</p:attrName>
+                                        </p:attrNameLst>
+                                      </p:cBhvr>
+                                      <p:to>
+                                        <p:strVal val="visible"/>
+                                      </p:to>
+                                    </p:set>
+                                  </p:childTnLst>
+                                </p:cTn>
+                              </p:par>
+                              <p:par>
+                                <p:cTn id="33" presetID="1" presetClass="entr" presetSubtype="0" fill="hold" nodeType="withEffect">
+                                  <p:stCondLst>
+                                    <p:cond delay="0"/>
+                                  </p:stCondLst>
+                                  <p:childTnLst>
+                                    <p:set>
+                                      <p:cBhvr>
+                                        <p:cTn id="34" dur="1" fill="hold">
+                                          <p:stCondLst>
+                                            <p:cond delay="0"/>
+                                          </p:stCondLst>
+                                        </p:cTn>
+                                        <p:tgtEl>
+                                          <p:spTgt spid="5">
+                                            <p:txEl>
+                                              <p:pRg st="11" end="11"/>
+                                            </p:txEl>
+                                          </p:spTgt>
+                                        </p:tgtEl>
+                                        <p:attrNameLst>
+                                          <p:attrName>style.visibility</p:attrName>
+                                        </p:attrNameLst>
+                                      </p:cBhvr>
+                                      <p:to>
+                                        <p:strVal val="visible"/>
+                                      </p:to>
+                                    </p:set>
+                                  </p:childTnLst>
+                                </p:cTn>
+                              </p:par>
+                              <p:par>
+                                <p:cTn id="35" presetID="1" presetClass="entr" presetSubtype="0" fill="hold" nodeType="withEffect">
+                                  <p:stCondLst>
+                                    <p:cond delay="0"/>
+                                  </p:stCondLst>
+                                  <p:childTnLst>
+                                    <p:set>
+                                      <p:cBhvr>
+                                        <p:cTn id="36" dur="1" fill="hold">
+                                          <p:stCondLst>
+                                            <p:cond delay="0"/>
+                                          </p:stCondLst>
+                                        </p:cTn>
+                                        <p:tgtEl>
+                                          <p:spTgt spid="13"/>
+                                        </p:tgtEl>
+                                        <p:attrNameLst>
+                                          <p:attrName>style.visibility</p:attrName>
+                                        </p:attrNameLst>
+                                      </p:cBhvr>
+                                      <p:to>
+                                        <p:strVal val="visible"/>
+                                      </p:to>
+                                    </p:set>
+                                  </p:childTnLst>
+                                </p:cTn>
+                              </p:par>
+                              <p:par>
+                                <p:cTn id="37" presetID="1" presetClass="entr" presetSubtype="0" fill="hold" grpId="0" nodeType="withEffect">
+                                  <p:stCondLst>
+                                    <p:cond delay="0"/>
+                                  </p:stCondLst>
+                                  <p:childTnLst>
+                                    <p:set>
+                                      <p:cBhvr>
+                                        <p:cTn id="38" dur="1" fill="hold">
+                                          <p:stCondLst>
+                                            <p:cond delay="0"/>
+                                          </p:stCondLst>
+                                        </p:cTn>
+                                        <p:tgtEl>
+                                          <p:spTgt spid="11"/>
+                                        </p:tgtEl>
+                                        <p:attrNameLst>
+                                          <p:attrName>style.visibility</p:attrName>
+                                        </p:attrNameLst>
+                                      </p:cBhvr>
+                                      <p:to>
+                                        <p:strVal val="visible"/>
+                                      </p:to>
+                                    </p:set>
+                                  </p:childTnLst>
+                                </p:cTn>
+                              </p:par>
+                            </p:childTnLst>
+                          </p:cTn>
+                        </p:par>
+                      </p:childTnLst>
+                    </p:cTn>
+                  </p:par>
+                  <p:par>
+                    <p:cTn id="39" fill="hold">
+                      <p:stCondLst>
+                        <p:cond delay="indefinite"/>
+                      </p:stCondLst>
+                      <p:childTnLst>
+                        <p:par>
+                          <p:cTn id="40" fill="hold">
+                            <p:stCondLst>
+                              <p:cond delay="0"/>
+                            </p:stCondLst>
+                            <p:childTnLst>
+                              <p:par>
+                                <p:cTn id="41" presetID="1" presetClass="exit" presetSubtype="0" fill="hold" grpId="0" nodeType="clickEffect">
+                                  <p:stCondLst>
+                                    <p:cond delay="0"/>
+                                  </p:stCondLst>
+                                  <p:childTnLst>
+                                    <p:set>
+                                      <p:cBhvr>
+                                        <p:cTn id="42" dur="1" fill="hold">
+                                          <p:stCondLst>
+                                            <p:cond delay="0"/>
+                                          </p:stCondLst>
+                                        </p:cTn>
+                                        <p:tgtEl>
+                                          <p:spTgt spid="14"/>
+                                        </p:tgtEl>
+                                        <p:attrNameLst>
+                                          <p:attrName>style.visibility</p:attrName>
+                                        </p:attrNameLst>
+                                      </p:cBhvr>
+                                      <p:to>
+                                        <p:strVal val="hidden"/>
+                                      </p:to>
+                                    </p:set>
+                                  </p:childTnLst>
+                                </p:cTn>
+                              </p:par>
+                            </p:childTnLst>
+                          </p:cTn>
+                        </p:par>
+                      </p:childTnLst>
+                    </p:cTn>
+                  </p:par>
+                  <p:par>
+                    <p:cTn id="43" fill="hold">
+                      <p:stCondLst>
+                        <p:cond delay="indefinite"/>
+                      </p:stCondLst>
+                      <p:childTnLst>
+                        <p:par>
+                          <p:cTn id="44" fill="hold">
+                            <p:stCondLst>
+                              <p:cond delay="0"/>
+                            </p:stCondLst>
+                            <p:childTnLst>
+                              <p:par>
+                                <p:cTn id="45" presetID="1" presetClass="entr" presetSubtype="0" fill="hold" nodeType="clickEffect">
+                                  <p:stCondLst>
+                                    <p:cond delay="0"/>
+                                  </p:stCondLst>
+                                  <p:childTnLst>
+                                    <p:set>
+                                      <p:cBhvr>
+                                        <p:cTn id="46" dur="1" fill="hold">
+                                          <p:stCondLst>
+                                            <p:cond delay="0"/>
+                                          </p:stCondLst>
+                                        </p:cTn>
+                                        <p:tgtEl>
+                                          <p:spTgt spid="5">
+                                            <p:txEl>
+                                              <p:pRg st="12" end="12"/>
+                                            </p:txEl>
+                                          </p:spTgt>
+                                        </p:tgtEl>
+                                        <p:attrNameLst>
+                                          <p:attrName>style.visibility</p:attrName>
+                                        </p:attrNameLst>
+                                      </p:cBhvr>
+                                      <p:to>
+                                        <p:strVal val="visible"/>
+                                      </p:to>
+                                    </p:set>
+                                  </p:childTnLst>
+                                </p:cTn>
+                              </p:par>
+                            </p:childTnLst>
+                          </p:cTn>
+                        </p:par>
+                      </p:childTnLst>
+                    </p:cTn>
+                  </p:par>
+                </p:childTnLst>
+              </p:cTn>
+              <p:prevCondLst>
+                <p:cond evt="onPrev" delay="0">
+                  <p:tgtEl>
+                    <p:sldTgt/>
+                  </p:tgtEl>
+                </p:cond>
+              </p:prevCondLst>
+              <p:nextCondLst>
+                <p:cond evt="onNext" delay="0">
+                  <p:tgtEl>
+                    <p:sldTgt/>
+                  </p:tgtEl>
+                </p:cond>
+              </p:nextCondLst>
+            </p:seq>
+          </p:childTnLst>
+        </p:cTn>
+      </p:par>
+    </p:tnLst>
+    <p:bldLst>
+      <p:bldP spid="11" grpId="0"/>
+      <p:bldP spid="18" grpId="0"/>
+      <p:bldP spid="12" grpId="0" animBg="1"/>
+      <p:bldP spid="14" grpId="0" animBg="1"/>
+    </p:bldLst>
+  </p:timing>
 </p:sld>
 </file>
 
-<file path=ppt/slides/slide2.xml><?xml version="1.0" encoding="utf-8"?>
+<file path=ppt/slides/slide21.xml><?xml version="1.0" encoding="utf-8"?>
 <p:sld xmlns:a="http://schemas.openxmlformats.org/drawingml/2006/main" xmlns:r="http://schemas.openxmlformats.org/officeDocument/2006/relationships" xmlns:p="http://schemas.openxmlformats.org/presentationml/2006/main">
   <p:cSld>
     <p:spTree>
@@ -11307,7 +12607,7 @@
             </a:r>
             <a:r>
               <a:rPr lang="en-US" dirty="0"/>
-              <a:t> loops and counters</a:t>
+              <a:t> loop basics</a:t>
             </a:r>
           </a:p>
           <a:p>
@@ -11330,6 +12630,18 @@
             <a:r>
               <a:rPr lang="en-US" dirty="0"/>
               <a:t> loops</a:t>
+            </a:r>
+          </a:p>
+          <a:p>
+            <a:r>
+              <a:rPr lang="en-US" b="1" dirty="0">
+                <a:latin typeface="Consolas" panose="020B0609020204030204" pitchFamily="49" charset="0"/>
+              </a:rPr>
+              <a:t>for</a:t>
+            </a:r>
+            <a:r>
+              <a:rPr lang="en-US" b="1" dirty="0"/>
+              <a:t> loops with arrays</a:t>
             </a:r>
           </a:p>
         </p:txBody>
@@ -11365,7 +12677,7 @@
     </p:spTree>
     <p:extLst>
       <p:ext uri="{BB962C8B-B14F-4D97-AF65-F5344CB8AC3E}">
-        <p14:creationId xmlns:p14="http://schemas.microsoft.com/office/powerpoint/2010/main" val="905501653"/>
+        <p14:creationId xmlns:p14="http://schemas.microsoft.com/office/powerpoint/2010/main" val="2757620475"/>
       </p:ext>
     </p:extLst>
   </p:cSld>
@@ -11383,7 +12695,7 @@
 </p:sld>
 </file>
 
-<file path=ppt/slides/slide20.xml><?xml version="1.0" encoding="utf-8"?>
+<file path=ppt/slides/slide22.xml><?xml version="1.0" encoding="utf-8"?>
 <p:sld xmlns:a="http://schemas.openxmlformats.org/drawingml/2006/main" xmlns:r="http://schemas.openxmlformats.org/officeDocument/2006/relationships" xmlns:p="http://schemas.openxmlformats.org/presentationml/2006/main">
   <p:cSld>
     <p:spTree>
@@ -11402,13 +12714,7 @@
       </p:grpSpPr>
       <p:sp>
         <p:nvSpPr>
-          <p:cNvPr id="2" name="Title 1">
-            <a:extLst>
-              <a:ext uri="{FF2B5EF4-FFF2-40B4-BE49-F238E27FC236}">
-                <a16:creationId xmlns:a16="http://schemas.microsoft.com/office/drawing/2014/main" id="{42F1B814-6282-4075-A22A-DC3ABFDC9ED3}"/>
-              </a:ext>
-            </a:extLst>
-          </p:cNvPr>
+          <p:cNvPr id="2" name="Title 1"/>
           <p:cNvSpPr>
             <a:spLocks noGrp="1"/>
           </p:cNvSpPr>
@@ -11423,35 +12729,36 @@
           <a:p>
             <a:r>
               <a:rPr lang="en-US" dirty="0"/>
-              <a:t>Summary</a:t>
+              <a:t>Iterating Over Arrays</a:t>
             </a:r>
           </a:p>
         </p:txBody>
       </p:sp>
       <p:sp>
         <p:nvSpPr>
-          <p:cNvPr id="3" name="Content Placeholder 2">
-            <a:extLst>
-              <a:ext uri="{FF2B5EF4-FFF2-40B4-BE49-F238E27FC236}">
-                <a16:creationId xmlns:a16="http://schemas.microsoft.com/office/drawing/2014/main" id="{A21C63A1-E39A-4E80-92B5-E2FCBFF8D55C}"/>
-              </a:ext>
-            </a:extLst>
-          </p:cNvPr>
+          <p:cNvPr id="5" name="Content Placeholder 4"/>
           <p:cNvSpPr>
             <a:spLocks noGrp="1"/>
           </p:cNvSpPr>
           <p:nvPr>
-            <p:ph idx="1"/>
+            <p:ph sz="half" idx="2"/>
           </p:nvPr>
         </p:nvSpPr>
-        <p:spPr/>
+        <p:spPr>
+          <a:xfrm>
+            <a:off x="6195986" y="1371600"/>
+            <a:ext cx="5765826" cy="927704"/>
+          </a:xfrm>
+        </p:spPr>
         <p:txBody>
-          <a:bodyPr>
-            <a:normAutofit/>
-          </a:bodyPr>
+          <a:bodyPr/>
           <a:lstStyle/>
           <a:p>
             <a:r>
+              <a:rPr lang="en-US" dirty="0"/>
+              <a:t>With a </a:t>
+            </a:r>
+            <a:r>
               <a:rPr lang="en-US" dirty="0">
                 <a:latin typeface="Consolas" panose="020B0609020204030204" pitchFamily="49" charset="0"/>
               </a:rPr>
@@ -11459,42 +12766,14 @@
             </a:r>
             <a:r>
               <a:rPr lang="en-US" dirty="0"/>
-              <a:t> statements and loops</a:t>
-            </a:r>
-          </a:p>
-          <a:p>
-            <a:r>
-              <a:rPr lang="en-US" dirty="0"/>
-              <a:t>Limitations and pitfalls</a:t>
-            </a:r>
-          </a:p>
-          <a:p>
-            <a:r>
-              <a:rPr lang="en-US" dirty="0"/>
-              <a:t>More uses of </a:t>
-            </a:r>
-            <a:r>
-              <a:rPr lang="en-US" dirty="0">
-                <a:latin typeface="Consolas" panose="020B0609020204030204" pitchFamily="49" charset="0"/>
-              </a:rPr>
-              <a:t>for</a:t>
-            </a:r>
-            <a:r>
-              <a:rPr lang="en-US" dirty="0"/>
-              <a:t> loops</a:t>
+              <a:t> loop:</a:t>
             </a:r>
           </a:p>
         </p:txBody>
       </p:sp>
       <p:sp>
         <p:nvSpPr>
-          <p:cNvPr id="4" name="Footer Placeholder 3">
-            <a:extLst>
-              <a:ext uri="{FF2B5EF4-FFF2-40B4-BE49-F238E27FC236}">
-                <a16:creationId xmlns:a16="http://schemas.microsoft.com/office/drawing/2014/main" id="{C185642E-D901-43E9-B9EC-3B1DBFC4E326}"/>
-              </a:ext>
-            </a:extLst>
-          </p:cNvPr>
+          <p:cNvPr id="4" name="Footer Placeholder 3"/>
           <p:cNvSpPr>
             <a:spLocks noGrp="1"/>
           </p:cNvSpPr>
@@ -11514,24 +12793,3223 @@
           </a:p>
         </p:txBody>
       </p:sp>
+      <p:sp>
+        <p:nvSpPr>
+          <p:cNvPr id="6" name="Content Placeholder 5"/>
+          <p:cNvSpPr>
+            <a:spLocks noGrp="1"/>
+          </p:cNvSpPr>
+          <p:nvPr>
+            <p:ph sz="quarter" idx="13"/>
+          </p:nvPr>
+        </p:nvSpPr>
+        <p:spPr>
+          <a:xfrm>
+            <a:off x="227012" y="1371600"/>
+            <a:ext cx="5768461" cy="990600"/>
+          </a:xfrm>
+        </p:spPr>
+        <p:txBody>
+          <a:bodyPr/>
+          <a:lstStyle/>
+          <a:p>
+            <a:r>
+              <a:rPr lang="en-US" dirty="0"/>
+              <a:t>With a </a:t>
+            </a:r>
+            <a:r>
+              <a:rPr lang="en-US" dirty="0">
+                <a:latin typeface="Consolas" panose="020B0609020204030204" pitchFamily="49" charset="0"/>
+              </a:rPr>
+              <a:t>while</a:t>
+            </a:r>
+            <a:r>
+              <a:rPr lang="en-US" dirty="0"/>
+              <a:t> loop:</a:t>
+            </a:r>
+          </a:p>
+        </p:txBody>
+      </p:sp>
+      <p:sp>
+        <p:nvSpPr>
+          <p:cNvPr id="7" name="TextBox 6">
+            <a:extLst>
+              <a:ext uri="{FF2B5EF4-FFF2-40B4-BE49-F238E27FC236}">
+                <a16:creationId xmlns:a16="http://schemas.microsoft.com/office/drawing/2014/main" id="{C08DCBD3-7787-49C2-9619-28ED5CF4B657}"/>
+              </a:ext>
+            </a:extLst>
+          </p:cNvPr>
+          <p:cNvSpPr txBox="1"/>
+          <p:nvPr/>
+        </p:nvSpPr>
+        <p:spPr>
+          <a:xfrm>
+            <a:off x="196116" y="2057400"/>
+            <a:ext cx="5007861" cy="3541867"/>
+          </a:xfrm>
+          <a:prstGeom prst="rect">
+            <a:avLst/>
+          </a:prstGeom>
+          <a:solidFill>
+            <a:schemeClr val="bg1">
+              <a:lumMod val="85000"/>
+              <a:lumOff val="15000"/>
+            </a:schemeClr>
+          </a:solidFill>
+        </p:spPr>
+        <p:txBody>
+          <a:bodyPr wrap="square" rtlCol="0">
+            <a:spAutoFit/>
+          </a:bodyPr>
+          <a:lstStyle>
+            <a:defPPr>
+              <a:defRPr lang="en-US"/>
+            </a:defPPr>
+            <a:lvl1pPr>
+              <a:defRPr sz="2200">
+                <a:solidFill>
+                  <a:srgbClr val="0099FF"/>
+                </a:solidFill>
+                <a:latin typeface="Consolas" panose="020B0609020204030204" pitchFamily="49" charset="0"/>
+              </a:defRPr>
+            </a:lvl1pPr>
+          </a:lstStyle>
+          <a:p>
+            <a:pPr>
+              <a:lnSpc>
+                <a:spcPct val="114000"/>
+              </a:lnSpc>
+            </a:pPr>
+            <a:r>
+              <a:rPr lang="en-US" dirty="0"/>
+              <a:t>int</a:t>
+            </a:r>
+            <a:r>
+              <a:rPr lang="en-US" dirty="0">
+                <a:solidFill>
+                  <a:schemeClr val="tx1"/>
+                </a:solidFill>
+              </a:rPr>
+              <a:t> </a:t>
+            </a:r>
+            <a:r>
+              <a:rPr lang="en-US" dirty="0" err="1">
+                <a:solidFill>
+                  <a:schemeClr val="tx1"/>
+                </a:solidFill>
+              </a:rPr>
+              <a:t>i</a:t>
+            </a:r>
+            <a:r>
+              <a:rPr lang="en-US" dirty="0">
+                <a:solidFill>
+                  <a:schemeClr val="tx1"/>
+                </a:solidFill>
+              </a:rPr>
+              <a:t> = </a:t>
+            </a:r>
+            <a:r>
+              <a:rPr lang="en-US" dirty="0">
+                <a:solidFill>
+                  <a:srgbClr val="99CC00"/>
+                </a:solidFill>
+              </a:rPr>
+              <a:t>0</a:t>
+            </a:r>
+            <a:r>
+              <a:rPr lang="en-US" dirty="0">
+                <a:solidFill>
+                  <a:schemeClr val="tx1"/>
+                </a:solidFill>
+              </a:rPr>
+              <a:t>;</a:t>
+            </a:r>
+          </a:p>
+          <a:p>
+            <a:pPr>
+              <a:lnSpc>
+                <a:spcPct val="114000"/>
+              </a:lnSpc>
+            </a:pPr>
+            <a:r>
+              <a:rPr lang="en-US" dirty="0"/>
+              <a:t>int</a:t>
+            </a:r>
+            <a:r>
+              <a:rPr lang="en-US" dirty="0">
+                <a:solidFill>
+                  <a:srgbClr val="99CC00"/>
+                </a:solidFill>
+              </a:rPr>
+              <a:t> </a:t>
+            </a:r>
+            <a:r>
+              <a:rPr lang="en-US" dirty="0">
+                <a:solidFill>
+                  <a:schemeClr val="tx1"/>
+                </a:solidFill>
+              </a:rPr>
+              <a:t>sum = </a:t>
+            </a:r>
+            <a:r>
+              <a:rPr lang="en-US" dirty="0">
+                <a:solidFill>
+                  <a:srgbClr val="99CC00"/>
+                </a:solidFill>
+              </a:rPr>
+              <a:t>0</a:t>
+            </a:r>
+            <a:r>
+              <a:rPr lang="en-US" dirty="0">
+                <a:solidFill>
+                  <a:schemeClr val="tx1"/>
+                </a:solidFill>
+              </a:rPr>
+              <a:t>;</a:t>
+            </a:r>
+          </a:p>
+          <a:p>
+            <a:pPr>
+              <a:lnSpc>
+                <a:spcPct val="114000"/>
+              </a:lnSpc>
+            </a:pPr>
+            <a:r>
+              <a:rPr lang="en-US" dirty="0"/>
+              <a:t>while</a:t>
+            </a:r>
+            <a:r>
+              <a:rPr lang="en-US" dirty="0">
+                <a:solidFill>
+                  <a:schemeClr val="tx1"/>
+                </a:solidFill>
+              </a:rPr>
+              <a:t>(</a:t>
+            </a:r>
+            <a:r>
+              <a:rPr lang="en-US" dirty="0" err="1">
+                <a:solidFill>
+                  <a:schemeClr val="tx1"/>
+                </a:solidFill>
+              </a:rPr>
+              <a:t>i</a:t>
+            </a:r>
+            <a:r>
+              <a:rPr lang="en-US" dirty="0">
+                <a:solidFill>
+                  <a:schemeClr val="tx1"/>
+                </a:solidFill>
+              </a:rPr>
+              <a:t> &lt; </a:t>
+            </a:r>
+            <a:r>
+              <a:rPr lang="en-US" dirty="0" err="1">
+                <a:solidFill>
+                  <a:schemeClr val="tx1"/>
+                </a:solidFill>
+              </a:rPr>
+              <a:t>myArray.Length</a:t>
+            </a:r>
+            <a:r>
+              <a:rPr lang="en-US" dirty="0">
+                <a:solidFill>
+                  <a:schemeClr val="tx1"/>
+                </a:solidFill>
+              </a:rPr>
+              <a:t>)</a:t>
+            </a:r>
+          </a:p>
+          <a:p>
+            <a:pPr>
+              <a:lnSpc>
+                <a:spcPct val="114000"/>
+              </a:lnSpc>
+            </a:pPr>
+            <a:r>
+              <a:rPr lang="en-US" dirty="0">
+                <a:solidFill>
+                  <a:schemeClr val="tx1"/>
+                </a:solidFill>
+              </a:rPr>
+              <a:t>{</a:t>
+            </a:r>
+          </a:p>
+          <a:p>
+            <a:pPr>
+              <a:lnSpc>
+                <a:spcPct val="114000"/>
+              </a:lnSpc>
+            </a:pPr>
+            <a:r>
+              <a:rPr lang="en-US" dirty="0">
+                <a:solidFill>
+                  <a:schemeClr val="tx1"/>
+                </a:solidFill>
+              </a:rPr>
+              <a:t>  sum += </a:t>
+            </a:r>
+            <a:r>
+              <a:rPr lang="en-US" dirty="0" err="1">
+                <a:solidFill>
+                  <a:schemeClr val="tx1"/>
+                </a:solidFill>
+              </a:rPr>
+              <a:t>myArray</a:t>
+            </a:r>
+            <a:r>
+              <a:rPr lang="en-US" dirty="0">
+                <a:solidFill>
+                  <a:schemeClr val="tx1"/>
+                </a:solidFill>
+              </a:rPr>
+              <a:t>[</a:t>
+            </a:r>
+            <a:r>
+              <a:rPr lang="en-US" dirty="0" err="1">
+                <a:solidFill>
+                  <a:schemeClr val="tx1"/>
+                </a:solidFill>
+              </a:rPr>
+              <a:t>i</a:t>
+            </a:r>
+            <a:r>
+              <a:rPr lang="en-US" dirty="0">
+                <a:solidFill>
+                  <a:schemeClr val="tx1"/>
+                </a:solidFill>
+              </a:rPr>
+              <a:t>];</a:t>
+            </a:r>
+          </a:p>
+          <a:p>
+            <a:pPr>
+              <a:lnSpc>
+                <a:spcPct val="114000"/>
+              </a:lnSpc>
+            </a:pPr>
+            <a:r>
+              <a:rPr lang="en-US" dirty="0">
+                <a:solidFill>
+                  <a:schemeClr val="tx1"/>
+                </a:solidFill>
+              </a:rPr>
+              <a:t>  </a:t>
+            </a:r>
+            <a:r>
+              <a:rPr lang="en-US" dirty="0" err="1">
+                <a:solidFill>
+                  <a:schemeClr val="tx1"/>
+                </a:solidFill>
+              </a:rPr>
+              <a:t>i</a:t>
+            </a:r>
+            <a:r>
+              <a:rPr lang="en-US" dirty="0">
+                <a:solidFill>
+                  <a:schemeClr val="tx1"/>
+                </a:solidFill>
+              </a:rPr>
+              <a:t>++;</a:t>
+            </a:r>
+          </a:p>
+          <a:p>
+            <a:pPr>
+              <a:lnSpc>
+                <a:spcPct val="114000"/>
+              </a:lnSpc>
+            </a:pPr>
+            <a:r>
+              <a:rPr lang="en-US" dirty="0">
+                <a:solidFill>
+                  <a:schemeClr val="tx1"/>
+                </a:solidFill>
+              </a:rPr>
+              <a:t>}</a:t>
+            </a:r>
+          </a:p>
+          <a:p>
+            <a:pPr>
+              <a:lnSpc>
+                <a:spcPct val="114000"/>
+              </a:lnSpc>
+            </a:pPr>
+            <a:r>
+              <a:rPr lang="en-US" dirty="0"/>
+              <a:t>double</a:t>
+            </a:r>
+            <a:r>
+              <a:rPr lang="en-US" dirty="0">
+                <a:solidFill>
+                  <a:schemeClr val="tx1"/>
+                </a:solidFill>
+              </a:rPr>
+              <a:t> average = (</a:t>
+            </a:r>
+            <a:r>
+              <a:rPr lang="en-US" dirty="0"/>
+              <a:t>double</a:t>
+            </a:r>
+            <a:r>
+              <a:rPr lang="en-US" dirty="0">
+                <a:solidFill>
+                  <a:schemeClr val="tx1"/>
+                </a:solidFill>
+              </a:rPr>
+              <a:t>) sum /</a:t>
+            </a:r>
+          </a:p>
+          <a:p>
+            <a:pPr>
+              <a:lnSpc>
+                <a:spcPct val="114000"/>
+              </a:lnSpc>
+            </a:pPr>
+            <a:r>
+              <a:rPr lang="en-US" dirty="0">
+                <a:solidFill>
+                  <a:schemeClr val="tx1"/>
+                </a:solidFill>
+              </a:rPr>
+              <a:t>  </a:t>
+            </a:r>
+            <a:r>
+              <a:rPr lang="en-US" dirty="0" err="1">
+                <a:solidFill>
+                  <a:schemeClr val="tx1"/>
+                </a:solidFill>
+              </a:rPr>
+              <a:t>myArray.Length</a:t>
+            </a:r>
+            <a:r>
+              <a:rPr lang="en-US" dirty="0">
+                <a:solidFill>
+                  <a:schemeClr val="tx1"/>
+                </a:solidFill>
+              </a:rPr>
+              <a:t>;</a:t>
+            </a:r>
+          </a:p>
+        </p:txBody>
+      </p:sp>
+      <p:sp>
+        <p:nvSpPr>
+          <p:cNvPr id="8" name="TextBox 7">
+            <a:extLst>
+              <a:ext uri="{FF2B5EF4-FFF2-40B4-BE49-F238E27FC236}">
+                <a16:creationId xmlns:a16="http://schemas.microsoft.com/office/drawing/2014/main" id="{8FF73F53-F99B-491C-B165-9741A8825113}"/>
+              </a:ext>
+            </a:extLst>
+          </p:cNvPr>
+          <p:cNvSpPr txBox="1"/>
+          <p:nvPr/>
+        </p:nvSpPr>
+        <p:spPr>
+          <a:xfrm>
+            <a:off x="5765827" y="2443338"/>
+            <a:ext cx="6195985" cy="2769989"/>
+          </a:xfrm>
+          <a:prstGeom prst="rect">
+            <a:avLst/>
+          </a:prstGeom>
+          <a:solidFill>
+            <a:schemeClr val="bg1">
+              <a:lumMod val="85000"/>
+              <a:lumOff val="15000"/>
+            </a:schemeClr>
+          </a:solidFill>
+        </p:spPr>
+        <p:txBody>
+          <a:bodyPr wrap="square" rtlCol="0">
+            <a:spAutoFit/>
+          </a:bodyPr>
+          <a:lstStyle>
+            <a:defPPr>
+              <a:defRPr lang="en-US"/>
+            </a:defPPr>
+            <a:lvl1pPr>
+              <a:defRPr sz="2200">
+                <a:solidFill>
+                  <a:srgbClr val="0099FF"/>
+                </a:solidFill>
+                <a:latin typeface="Consolas" panose="020B0609020204030204" pitchFamily="49" charset="0"/>
+              </a:defRPr>
+            </a:lvl1pPr>
+          </a:lstStyle>
+          <a:p>
+            <a:pPr>
+              <a:lnSpc>
+                <a:spcPct val="114000"/>
+              </a:lnSpc>
+            </a:pPr>
+            <a:r>
+              <a:rPr lang="en-US" dirty="0"/>
+              <a:t>int</a:t>
+            </a:r>
+            <a:r>
+              <a:rPr lang="en-US" dirty="0">
+                <a:solidFill>
+                  <a:srgbClr val="99CC00"/>
+                </a:solidFill>
+              </a:rPr>
+              <a:t> </a:t>
+            </a:r>
+            <a:r>
+              <a:rPr lang="en-US" dirty="0">
+                <a:solidFill>
+                  <a:schemeClr val="tx1"/>
+                </a:solidFill>
+              </a:rPr>
+              <a:t>sum = </a:t>
+            </a:r>
+            <a:r>
+              <a:rPr lang="en-US" dirty="0">
+                <a:solidFill>
+                  <a:srgbClr val="99CC00"/>
+                </a:solidFill>
+              </a:rPr>
+              <a:t>0</a:t>
+            </a:r>
+            <a:r>
+              <a:rPr lang="en-US" dirty="0">
+                <a:solidFill>
+                  <a:schemeClr val="tx1"/>
+                </a:solidFill>
+              </a:rPr>
+              <a:t>;</a:t>
+            </a:r>
+          </a:p>
+          <a:p>
+            <a:pPr>
+              <a:lnSpc>
+                <a:spcPct val="114000"/>
+              </a:lnSpc>
+            </a:pPr>
+            <a:r>
+              <a:rPr lang="en-US" dirty="0"/>
+              <a:t>for</a:t>
+            </a:r>
+            <a:r>
+              <a:rPr lang="en-US" dirty="0">
+                <a:solidFill>
+                  <a:schemeClr val="tx1"/>
+                </a:solidFill>
+              </a:rPr>
+              <a:t>(</a:t>
+            </a:r>
+            <a:r>
+              <a:rPr lang="en-US" dirty="0"/>
+              <a:t>int</a:t>
+            </a:r>
+            <a:r>
+              <a:rPr lang="en-US" dirty="0">
+                <a:solidFill>
+                  <a:schemeClr val="tx1"/>
+                </a:solidFill>
+              </a:rPr>
+              <a:t> </a:t>
+            </a:r>
+            <a:r>
+              <a:rPr lang="en-US" dirty="0" err="1">
+                <a:solidFill>
+                  <a:schemeClr val="tx1"/>
+                </a:solidFill>
+              </a:rPr>
+              <a:t>i</a:t>
+            </a:r>
+            <a:r>
+              <a:rPr lang="en-US" dirty="0">
+                <a:solidFill>
+                  <a:schemeClr val="tx1"/>
+                </a:solidFill>
+              </a:rPr>
+              <a:t> = </a:t>
+            </a:r>
+            <a:r>
+              <a:rPr lang="en-US" dirty="0">
+                <a:solidFill>
+                  <a:srgbClr val="99CC00"/>
+                </a:solidFill>
+              </a:rPr>
+              <a:t>0</a:t>
+            </a:r>
+            <a:r>
+              <a:rPr lang="en-US" dirty="0">
+                <a:solidFill>
+                  <a:schemeClr val="tx1"/>
+                </a:solidFill>
+              </a:rPr>
+              <a:t>; </a:t>
+            </a:r>
+            <a:r>
+              <a:rPr lang="en-US" dirty="0" err="1">
+                <a:solidFill>
+                  <a:schemeClr val="tx1"/>
+                </a:solidFill>
+              </a:rPr>
+              <a:t>i</a:t>
+            </a:r>
+            <a:r>
+              <a:rPr lang="en-US" dirty="0">
+                <a:solidFill>
+                  <a:schemeClr val="tx1"/>
+                </a:solidFill>
+              </a:rPr>
+              <a:t> &lt; </a:t>
+            </a:r>
+            <a:r>
+              <a:rPr lang="en-US" dirty="0" err="1">
+                <a:solidFill>
+                  <a:schemeClr val="tx1"/>
+                </a:solidFill>
+              </a:rPr>
+              <a:t>myArray.Length</a:t>
+            </a:r>
+            <a:r>
+              <a:rPr lang="en-US" dirty="0">
+                <a:solidFill>
+                  <a:schemeClr val="tx1"/>
+                </a:solidFill>
+              </a:rPr>
+              <a:t>; </a:t>
+            </a:r>
+            <a:r>
+              <a:rPr lang="en-US" dirty="0" err="1">
+                <a:solidFill>
+                  <a:schemeClr val="tx1"/>
+                </a:solidFill>
+              </a:rPr>
+              <a:t>i</a:t>
+            </a:r>
+            <a:r>
+              <a:rPr lang="en-US" dirty="0">
+                <a:solidFill>
+                  <a:schemeClr val="tx1"/>
+                </a:solidFill>
+              </a:rPr>
+              <a:t>++)</a:t>
+            </a:r>
+          </a:p>
+          <a:p>
+            <a:pPr>
+              <a:lnSpc>
+                <a:spcPct val="114000"/>
+              </a:lnSpc>
+            </a:pPr>
+            <a:r>
+              <a:rPr lang="en-US" dirty="0">
+                <a:solidFill>
+                  <a:schemeClr val="tx1"/>
+                </a:solidFill>
+              </a:rPr>
+              <a:t>{</a:t>
+            </a:r>
+          </a:p>
+          <a:p>
+            <a:pPr>
+              <a:lnSpc>
+                <a:spcPct val="114000"/>
+              </a:lnSpc>
+            </a:pPr>
+            <a:r>
+              <a:rPr lang="en-US" dirty="0">
+                <a:solidFill>
+                  <a:schemeClr val="tx1"/>
+                </a:solidFill>
+              </a:rPr>
+              <a:t>  sum += </a:t>
+            </a:r>
+            <a:r>
+              <a:rPr lang="en-US" dirty="0" err="1">
+                <a:solidFill>
+                  <a:schemeClr val="tx1"/>
+                </a:solidFill>
+              </a:rPr>
+              <a:t>myArray</a:t>
+            </a:r>
+            <a:r>
+              <a:rPr lang="en-US" dirty="0">
+                <a:solidFill>
+                  <a:schemeClr val="tx1"/>
+                </a:solidFill>
+              </a:rPr>
+              <a:t>[</a:t>
+            </a:r>
+            <a:r>
+              <a:rPr lang="en-US" dirty="0" err="1">
+                <a:solidFill>
+                  <a:schemeClr val="tx1"/>
+                </a:solidFill>
+              </a:rPr>
+              <a:t>i</a:t>
+            </a:r>
+            <a:r>
+              <a:rPr lang="en-US" dirty="0">
+                <a:solidFill>
+                  <a:schemeClr val="tx1"/>
+                </a:solidFill>
+              </a:rPr>
+              <a:t>];</a:t>
+            </a:r>
+          </a:p>
+          <a:p>
+            <a:pPr>
+              <a:lnSpc>
+                <a:spcPct val="114000"/>
+              </a:lnSpc>
+            </a:pPr>
+            <a:r>
+              <a:rPr lang="en-US" dirty="0">
+                <a:solidFill>
+                  <a:schemeClr val="tx1"/>
+                </a:solidFill>
+              </a:rPr>
+              <a:t>}</a:t>
+            </a:r>
+          </a:p>
+          <a:p>
+            <a:pPr>
+              <a:lnSpc>
+                <a:spcPct val="114000"/>
+              </a:lnSpc>
+            </a:pPr>
+            <a:r>
+              <a:rPr lang="en-US" dirty="0"/>
+              <a:t>double</a:t>
+            </a:r>
+            <a:r>
+              <a:rPr lang="en-US" dirty="0">
+                <a:solidFill>
+                  <a:schemeClr val="tx1"/>
+                </a:solidFill>
+              </a:rPr>
+              <a:t> average = (</a:t>
+            </a:r>
+            <a:r>
+              <a:rPr lang="en-US" dirty="0"/>
+              <a:t>double</a:t>
+            </a:r>
+            <a:r>
+              <a:rPr lang="en-US" dirty="0">
+                <a:solidFill>
+                  <a:schemeClr val="tx1"/>
+                </a:solidFill>
+              </a:rPr>
+              <a:t>) sum /</a:t>
+            </a:r>
+          </a:p>
+          <a:p>
+            <a:pPr>
+              <a:lnSpc>
+                <a:spcPct val="114000"/>
+              </a:lnSpc>
+            </a:pPr>
+            <a:r>
+              <a:rPr lang="en-US" dirty="0">
+                <a:solidFill>
+                  <a:schemeClr val="tx1"/>
+                </a:solidFill>
+              </a:rPr>
+              <a:t>  </a:t>
+            </a:r>
+            <a:r>
+              <a:rPr lang="en-US" dirty="0" err="1">
+                <a:solidFill>
+                  <a:schemeClr val="tx1"/>
+                </a:solidFill>
+              </a:rPr>
+              <a:t>myArray.Length</a:t>
+            </a:r>
+            <a:r>
+              <a:rPr lang="en-US" dirty="0">
+                <a:solidFill>
+                  <a:schemeClr val="tx1"/>
+                </a:solidFill>
+              </a:rPr>
+              <a:t>;</a:t>
+            </a:r>
+          </a:p>
+        </p:txBody>
+      </p:sp>
+      <p:sp>
+        <p:nvSpPr>
+          <p:cNvPr id="9" name="TextBox 8">
+            <a:extLst>
+              <a:ext uri="{FF2B5EF4-FFF2-40B4-BE49-F238E27FC236}">
+                <a16:creationId xmlns:a16="http://schemas.microsoft.com/office/drawing/2014/main" id="{17E7B7DC-FAEC-49FA-82BB-6C04E0E47BC4}"/>
+              </a:ext>
+            </a:extLst>
+          </p:cNvPr>
+          <p:cNvSpPr txBox="1"/>
+          <p:nvPr/>
+        </p:nvSpPr>
+        <p:spPr>
+          <a:xfrm>
+            <a:off x="2620108" y="2068471"/>
+            <a:ext cx="1234633" cy="461665"/>
+          </a:xfrm>
+          <a:prstGeom prst="rect">
+            <a:avLst/>
+          </a:prstGeom>
+          <a:noFill/>
+        </p:spPr>
+        <p:txBody>
+          <a:bodyPr wrap="none" rtlCol="0">
+            <a:spAutoFit/>
+          </a:bodyPr>
+          <a:lstStyle/>
+          <a:p>
+            <a:r>
+              <a:rPr lang="en-US" dirty="0"/>
+              <a:t>Counter</a:t>
+            </a:r>
+          </a:p>
+        </p:txBody>
+      </p:sp>
+      <p:cxnSp>
+        <p:nvCxnSpPr>
+          <p:cNvPr id="10" name="Straight Arrow Connector 9">
+            <a:extLst>
+              <a:ext uri="{FF2B5EF4-FFF2-40B4-BE49-F238E27FC236}">
+                <a16:creationId xmlns:a16="http://schemas.microsoft.com/office/drawing/2014/main" id="{1149B1D5-1705-42EF-958B-3E0921020101}"/>
+              </a:ext>
+            </a:extLst>
+          </p:cNvPr>
+          <p:cNvCxnSpPr>
+            <a:cxnSpLocks/>
+          </p:cNvCxnSpPr>
+          <p:nvPr/>
+        </p:nvCxnSpPr>
+        <p:spPr>
+          <a:xfrm flipH="1">
+            <a:off x="1903412" y="2299304"/>
+            <a:ext cx="685800" cy="0"/>
+          </a:xfrm>
+          <a:prstGeom prst="straightConnector1">
+            <a:avLst/>
+          </a:prstGeom>
+          <a:ln>
+            <a:tailEnd type="triangle"/>
+          </a:ln>
+        </p:spPr>
+        <p:style>
+          <a:lnRef idx="2">
+            <a:schemeClr val="accent6"/>
+          </a:lnRef>
+          <a:fillRef idx="0">
+            <a:schemeClr val="accent6"/>
+          </a:fillRef>
+          <a:effectRef idx="1">
+            <a:schemeClr val="accent6"/>
+          </a:effectRef>
+          <a:fontRef idx="minor">
+            <a:schemeClr val="tx1"/>
+          </a:fontRef>
+        </p:style>
+      </p:cxnSp>
+      <p:sp>
+        <p:nvSpPr>
+          <p:cNvPr id="11" name="TextBox 10">
+            <a:extLst>
+              <a:ext uri="{FF2B5EF4-FFF2-40B4-BE49-F238E27FC236}">
+                <a16:creationId xmlns:a16="http://schemas.microsoft.com/office/drawing/2014/main" id="{55C9703C-9084-4515-9997-7F7A6019186C}"/>
+              </a:ext>
+            </a:extLst>
+          </p:cNvPr>
+          <p:cNvSpPr txBox="1"/>
+          <p:nvPr/>
+        </p:nvSpPr>
+        <p:spPr>
+          <a:xfrm>
+            <a:off x="3610032" y="3245609"/>
+            <a:ext cx="2148345" cy="461665"/>
+          </a:xfrm>
+          <a:prstGeom prst="rect">
+            <a:avLst/>
+          </a:prstGeom>
+          <a:noFill/>
+        </p:spPr>
+        <p:txBody>
+          <a:bodyPr wrap="none" rtlCol="0">
+            <a:spAutoFit/>
+          </a:bodyPr>
+          <a:lstStyle/>
+          <a:p>
+            <a:r>
+              <a:rPr lang="en-US" dirty="0"/>
+              <a:t>Loop condition</a:t>
+            </a:r>
+          </a:p>
+        </p:txBody>
+      </p:sp>
+      <p:cxnSp>
+        <p:nvCxnSpPr>
+          <p:cNvPr id="12" name="Straight Arrow Connector 11">
+            <a:extLst>
+              <a:ext uri="{FF2B5EF4-FFF2-40B4-BE49-F238E27FC236}">
+                <a16:creationId xmlns:a16="http://schemas.microsoft.com/office/drawing/2014/main" id="{4FEFBEF0-838D-4A2D-AF5A-B387CE63374A}"/>
+              </a:ext>
+            </a:extLst>
+          </p:cNvPr>
+          <p:cNvCxnSpPr>
+            <a:cxnSpLocks/>
+            <a:stCxn id="11" idx="1"/>
+          </p:cNvCxnSpPr>
+          <p:nvPr/>
+        </p:nvCxnSpPr>
+        <p:spPr>
+          <a:xfrm flipH="1" flipV="1">
+            <a:off x="2817812" y="3245609"/>
+            <a:ext cx="792220" cy="230833"/>
+          </a:xfrm>
+          <a:prstGeom prst="straightConnector1">
+            <a:avLst/>
+          </a:prstGeom>
+          <a:ln>
+            <a:tailEnd type="triangle"/>
+          </a:ln>
+        </p:spPr>
+        <p:style>
+          <a:lnRef idx="2">
+            <a:schemeClr val="accent6"/>
+          </a:lnRef>
+          <a:fillRef idx="0">
+            <a:schemeClr val="accent6"/>
+          </a:fillRef>
+          <a:effectRef idx="1">
+            <a:schemeClr val="accent6"/>
+          </a:effectRef>
+          <a:fontRef idx="minor">
+            <a:schemeClr val="tx1"/>
+          </a:fontRef>
+        </p:style>
+      </p:cxnSp>
+      <p:sp>
+        <p:nvSpPr>
+          <p:cNvPr id="16" name="TextBox 15">
+            <a:extLst>
+              <a:ext uri="{FF2B5EF4-FFF2-40B4-BE49-F238E27FC236}">
+                <a16:creationId xmlns:a16="http://schemas.microsoft.com/office/drawing/2014/main" id="{3C86F339-5912-4C99-804F-B2F6319677BD}"/>
+              </a:ext>
+            </a:extLst>
+          </p:cNvPr>
+          <p:cNvSpPr txBox="1"/>
+          <p:nvPr/>
+        </p:nvSpPr>
+        <p:spPr>
+          <a:xfrm>
+            <a:off x="3089147" y="4157777"/>
+            <a:ext cx="1531188" cy="461665"/>
+          </a:xfrm>
+          <a:prstGeom prst="rect">
+            <a:avLst/>
+          </a:prstGeom>
+          <a:noFill/>
+        </p:spPr>
+        <p:txBody>
+          <a:bodyPr wrap="none" rtlCol="0">
+            <a:spAutoFit/>
+          </a:bodyPr>
+          <a:lstStyle/>
+          <a:p>
+            <a:r>
+              <a:rPr lang="en-US" dirty="0"/>
+              <a:t>Increment</a:t>
+            </a:r>
+          </a:p>
+        </p:txBody>
+      </p:sp>
+      <p:cxnSp>
+        <p:nvCxnSpPr>
+          <p:cNvPr id="17" name="Straight Arrow Connector 16">
+            <a:extLst>
+              <a:ext uri="{FF2B5EF4-FFF2-40B4-BE49-F238E27FC236}">
+                <a16:creationId xmlns:a16="http://schemas.microsoft.com/office/drawing/2014/main" id="{CF31B03E-7AB8-4442-A05C-D9F62779A303}"/>
+              </a:ext>
+            </a:extLst>
+          </p:cNvPr>
+          <p:cNvCxnSpPr>
+            <a:cxnSpLocks/>
+            <a:stCxn id="16" idx="1"/>
+          </p:cNvCxnSpPr>
+          <p:nvPr/>
+        </p:nvCxnSpPr>
+        <p:spPr>
+          <a:xfrm flipH="1" flipV="1">
+            <a:off x="1293812" y="4267200"/>
+            <a:ext cx="1795335" cy="121410"/>
+          </a:xfrm>
+          <a:prstGeom prst="straightConnector1">
+            <a:avLst/>
+          </a:prstGeom>
+          <a:ln>
+            <a:tailEnd type="triangle"/>
+          </a:ln>
+        </p:spPr>
+        <p:style>
+          <a:lnRef idx="2">
+            <a:schemeClr val="accent6"/>
+          </a:lnRef>
+          <a:fillRef idx="0">
+            <a:schemeClr val="accent6"/>
+          </a:fillRef>
+          <a:effectRef idx="1">
+            <a:schemeClr val="accent6"/>
+          </a:effectRef>
+          <a:fontRef idx="minor">
+            <a:schemeClr val="tx1"/>
+          </a:fontRef>
+        </p:style>
+      </p:cxnSp>
+      <p:sp>
+        <p:nvSpPr>
+          <p:cNvPr id="21" name="TextBox 20">
+            <a:extLst>
+              <a:ext uri="{FF2B5EF4-FFF2-40B4-BE49-F238E27FC236}">
+                <a16:creationId xmlns:a16="http://schemas.microsoft.com/office/drawing/2014/main" id="{4CC7B776-196D-4179-A2D5-4D6D5D45345C}"/>
+              </a:ext>
+            </a:extLst>
+          </p:cNvPr>
+          <p:cNvSpPr txBox="1"/>
+          <p:nvPr/>
+        </p:nvSpPr>
+        <p:spPr>
+          <a:xfrm>
+            <a:off x="7382095" y="1981200"/>
+            <a:ext cx="1234633" cy="461665"/>
+          </a:xfrm>
+          <a:prstGeom prst="rect">
+            <a:avLst/>
+          </a:prstGeom>
+          <a:noFill/>
+        </p:spPr>
+        <p:txBody>
+          <a:bodyPr wrap="none" rtlCol="0">
+            <a:spAutoFit/>
+          </a:bodyPr>
+          <a:lstStyle/>
+          <a:p>
+            <a:r>
+              <a:rPr lang="en-US" dirty="0"/>
+              <a:t>Counter</a:t>
+            </a:r>
+          </a:p>
+        </p:txBody>
+      </p:sp>
+      <p:cxnSp>
+        <p:nvCxnSpPr>
+          <p:cNvPr id="22" name="Straight Arrow Connector 21">
+            <a:extLst>
+              <a:ext uri="{FF2B5EF4-FFF2-40B4-BE49-F238E27FC236}">
+                <a16:creationId xmlns:a16="http://schemas.microsoft.com/office/drawing/2014/main" id="{1FBE36E2-98C4-4A64-9EEA-16E594D654E4}"/>
+              </a:ext>
+            </a:extLst>
+          </p:cNvPr>
+          <p:cNvCxnSpPr>
+            <a:cxnSpLocks/>
+          </p:cNvCxnSpPr>
+          <p:nvPr/>
+        </p:nvCxnSpPr>
+        <p:spPr>
+          <a:xfrm flipH="1">
+            <a:off x="7694612" y="2362200"/>
+            <a:ext cx="304799" cy="533400"/>
+          </a:xfrm>
+          <a:prstGeom prst="straightConnector1">
+            <a:avLst/>
+          </a:prstGeom>
+          <a:ln>
+            <a:tailEnd type="triangle"/>
+          </a:ln>
+        </p:spPr>
+        <p:style>
+          <a:lnRef idx="2">
+            <a:schemeClr val="accent6"/>
+          </a:lnRef>
+          <a:fillRef idx="0">
+            <a:schemeClr val="accent6"/>
+          </a:fillRef>
+          <a:effectRef idx="1">
+            <a:schemeClr val="accent6"/>
+          </a:effectRef>
+          <a:fontRef idx="minor">
+            <a:schemeClr val="tx1"/>
+          </a:fontRef>
+        </p:style>
+      </p:cxnSp>
+      <p:sp>
+        <p:nvSpPr>
+          <p:cNvPr id="26" name="TextBox 25">
+            <a:extLst>
+              <a:ext uri="{FF2B5EF4-FFF2-40B4-BE49-F238E27FC236}">
+                <a16:creationId xmlns:a16="http://schemas.microsoft.com/office/drawing/2014/main" id="{708D4CA2-C2A8-41DA-9A68-9D3D727C4F12}"/>
+              </a:ext>
+            </a:extLst>
+          </p:cNvPr>
+          <p:cNvSpPr txBox="1"/>
+          <p:nvPr/>
+        </p:nvSpPr>
+        <p:spPr>
+          <a:xfrm>
+            <a:off x="8897266" y="1981200"/>
+            <a:ext cx="2148345" cy="461665"/>
+          </a:xfrm>
+          <a:prstGeom prst="rect">
+            <a:avLst/>
+          </a:prstGeom>
+          <a:noFill/>
+        </p:spPr>
+        <p:txBody>
+          <a:bodyPr wrap="none" rtlCol="0">
+            <a:spAutoFit/>
+          </a:bodyPr>
+          <a:lstStyle/>
+          <a:p>
+            <a:r>
+              <a:rPr lang="en-US" dirty="0"/>
+              <a:t>Loop condition</a:t>
+            </a:r>
+          </a:p>
+        </p:txBody>
+      </p:sp>
+      <p:cxnSp>
+        <p:nvCxnSpPr>
+          <p:cNvPr id="27" name="Straight Arrow Connector 26">
+            <a:extLst>
+              <a:ext uri="{FF2B5EF4-FFF2-40B4-BE49-F238E27FC236}">
+                <a16:creationId xmlns:a16="http://schemas.microsoft.com/office/drawing/2014/main" id="{02876601-96E2-4208-8CB4-04D21F7A3700}"/>
+              </a:ext>
+            </a:extLst>
+          </p:cNvPr>
+          <p:cNvCxnSpPr>
+            <a:cxnSpLocks/>
+          </p:cNvCxnSpPr>
+          <p:nvPr/>
+        </p:nvCxnSpPr>
+        <p:spPr>
+          <a:xfrm flipH="1">
+            <a:off x="8722717" y="2362200"/>
+            <a:ext cx="356182" cy="542803"/>
+          </a:xfrm>
+          <a:prstGeom prst="straightConnector1">
+            <a:avLst/>
+          </a:prstGeom>
+          <a:ln>
+            <a:tailEnd type="triangle"/>
+          </a:ln>
+        </p:spPr>
+        <p:style>
+          <a:lnRef idx="2">
+            <a:schemeClr val="accent6"/>
+          </a:lnRef>
+          <a:fillRef idx="0">
+            <a:schemeClr val="accent6"/>
+          </a:fillRef>
+          <a:effectRef idx="1">
+            <a:schemeClr val="accent6"/>
+          </a:effectRef>
+          <a:fontRef idx="minor">
+            <a:schemeClr val="tx1"/>
+          </a:fontRef>
+        </p:style>
+      </p:cxnSp>
+      <p:sp>
+        <p:nvSpPr>
+          <p:cNvPr id="31" name="TextBox 30">
+            <a:extLst>
+              <a:ext uri="{FF2B5EF4-FFF2-40B4-BE49-F238E27FC236}">
+                <a16:creationId xmlns:a16="http://schemas.microsoft.com/office/drawing/2014/main" id="{4A0E03C0-5610-4A7C-9219-A3DCD08D7F68}"/>
+              </a:ext>
+            </a:extLst>
+          </p:cNvPr>
+          <p:cNvSpPr txBox="1"/>
+          <p:nvPr/>
+        </p:nvSpPr>
+        <p:spPr>
+          <a:xfrm>
+            <a:off x="10209212" y="3707274"/>
+            <a:ext cx="1531188" cy="461665"/>
+          </a:xfrm>
+          <a:prstGeom prst="rect">
+            <a:avLst/>
+          </a:prstGeom>
+          <a:noFill/>
+        </p:spPr>
+        <p:txBody>
+          <a:bodyPr wrap="none" rtlCol="0">
+            <a:spAutoFit/>
+          </a:bodyPr>
+          <a:lstStyle/>
+          <a:p>
+            <a:r>
+              <a:rPr lang="en-US" dirty="0"/>
+              <a:t>Increment</a:t>
+            </a:r>
+          </a:p>
+        </p:txBody>
+      </p:sp>
+      <p:cxnSp>
+        <p:nvCxnSpPr>
+          <p:cNvPr id="32" name="Straight Arrow Connector 31">
+            <a:extLst>
+              <a:ext uri="{FF2B5EF4-FFF2-40B4-BE49-F238E27FC236}">
+                <a16:creationId xmlns:a16="http://schemas.microsoft.com/office/drawing/2014/main" id="{C4B47CA2-503A-40E3-A5AD-10A0268A6AD3}"/>
+              </a:ext>
+            </a:extLst>
+          </p:cNvPr>
+          <p:cNvCxnSpPr>
+            <a:cxnSpLocks/>
+          </p:cNvCxnSpPr>
+          <p:nvPr/>
+        </p:nvCxnSpPr>
+        <p:spPr>
+          <a:xfrm flipV="1">
+            <a:off x="11045612" y="3245609"/>
+            <a:ext cx="306600" cy="560531"/>
+          </a:xfrm>
+          <a:prstGeom prst="straightConnector1">
+            <a:avLst/>
+          </a:prstGeom>
+          <a:ln>
+            <a:tailEnd type="triangle"/>
+          </a:ln>
+        </p:spPr>
+        <p:style>
+          <a:lnRef idx="2">
+            <a:schemeClr val="accent6"/>
+          </a:lnRef>
+          <a:fillRef idx="0">
+            <a:schemeClr val="accent6"/>
+          </a:fillRef>
+          <a:effectRef idx="1">
+            <a:schemeClr val="accent6"/>
+          </a:effectRef>
+          <a:fontRef idx="minor">
+            <a:schemeClr val="tx1"/>
+          </a:fontRef>
+        </p:style>
+      </p:cxnSp>
     </p:spTree>
     <p:extLst>
       <p:ext uri="{BB962C8B-B14F-4D97-AF65-F5344CB8AC3E}">
-        <p14:creationId xmlns:p14="http://schemas.microsoft.com/office/powerpoint/2010/main" val="918001685"/>
+        <p14:creationId xmlns:p14="http://schemas.microsoft.com/office/powerpoint/2010/main" val="2853594784"/>
       </p:ext>
     </p:extLst>
   </p:cSld>
   <p:clrMapOvr>
     <a:masterClrMapping/>
   </p:clrMapOvr>
-  <mc:AlternateContent xmlns:mc="http://schemas.openxmlformats.org/markup-compatibility/2006" xmlns:p14="http://schemas.microsoft.com/office/powerpoint/2010/main">
-    <mc:Choice Requires="p14">
-      <p:transition spd="slow" p14:dur="2000" advTm="17703"/>
-    </mc:Choice>
-    <mc:Fallback xmlns="">
-      <p:transition spd="slow" advTm="17703"/>
-    </mc:Fallback>
-  </mc:AlternateContent>
+</p:sld>
+</file>
+
+<file path=ppt/slides/slide23.xml><?xml version="1.0" encoding="utf-8"?>
+<p:sld xmlns:a="http://schemas.openxmlformats.org/drawingml/2006/main" xmlns:r="http://schemas.openxmlformats.org/officeDocument/2006/relationships" xmlns:p="http://schemas.openxmlformats.org/presentationml/2006/main">
+  <p:cSld>
+    <p:spTree>
+      <p:nvGrpSpPr>
+        <p:cNvPr id="1" name=""/>
+        <p:cNvGrpSpPr/>
+        <p:nvPr/>
+      </p:nvGrpSpPr>
+      <p:grpSpPr>
+        <a:xfrm>
+          <a:off x="0" y="0"/>
+          <a:ext cx="0" cy="0"/>
+          <a:chOff x="0" y="0"/>
+          <a:chExt cx="0" cy="0"/>
+        </a:xfrm>
+      </p:grpSpPr>
+      <p:sp>
+        <p:nvSpPr>
+          <p:cNvPr id="2" name="Title 1"/>
+          <p:cNvSpPr>
+            <a:spLocks noGrp="1"/>
+          </p:cNvSpPr>
+          <p:nvPr>
+            <p:ph type="title"/>
+          </p:nvPr>
+        </p:nvSpPr>
+        <p:spPr/>
+        <p:txBody>
+          <a:bodyPr/>
+          <a:lstStyle/>
+          <a:p>
+            <a:r>
+              <a:rPr lang="en-US" dirty="0"/>
+              <a:t>Filling Arrays with For Loops</a:t>
+            </a:r>
+          </a:p>
+        </p:txBody>
+      </p:sp>
+      <p:sp>
+        <p:nvSpPr>
+          <p:cNvPr id="3" name="Content Placeholder 2"/>
+          <p:cNvSpPr>
+            <a:spLocks noGrp="1"/>
+          </p:cNvSpPr>
+          <p:nvPr>
+            <p:ph idx="1"/>
+          </p:nvPr>
+        </p:nvSpPr>
+        <p:spPr>
+          <a:xfrm>
+            <a:off x="227013" y="1371600"/>
+            <a:ext cx="11734800" cy="1598635"/>
+          </a:xfrm>
+        </p:spPr>
+        <p:txBody>
+          <a:bodyPr/>
+          <a:lstStyle/>
+          <a:p>
+            <a:r>
+              <a:rPr lang="en-US" dirty="0"/>
+              <a:t>User-provided array size doesn’t change the loop condition</a:t>
+            </a:r>
+          </a:p>
+          <a:p>
+            <a:r>
+              <a:rPr lang="en-US" dirty="0"/>
+              <a:t>What if we want to add user-input validation?</a:t>
+            </a:r>
+          </a:p>
+        </p:txBody>
+      </p:sp>
+      <p:sp>
+        <p:nvSpPr>
+          <p:cNvPr id="4" name="Footer Placeholder 3"/>
+          <p:cNvSpPr>
+            <a:spLocks noGrp="1"/>
+          </p:cNvSpPr>
+          <p:nvPr>
+            <p:ph type="ftr" sz="quarter" idx="11"/>
+          </p:nvPr>
+        </p:nvSpPr>
+        <p:spPr/>
+        <p:txBody>
+          <a:bodyPr/>
+          <a:lstStyle/>
+          <a:p>
+            <a:r>
+              <a:rPr lang="en-US"/>
+              <a:t>CSCI 1301</a:t>
+            </a:r>
+          </a:p>
+        </p:txBody>
+      </p:sp>
+      <p:sp>
+        <p:nvSpPr>
+          <p:cNvPr id="5" name="TextBox 4">
+            <a:extLst>
+              <a:ext uri="{FF2B5EF4-FFF2-40B4-BE49-F238E27FC236}">
+                <a16:creationId xmlns:a16="http://schemas.microsoft.com/office/drawing/2014/main" id="{A3033DE8-D886-447A-AD46-15014DBDA63E}"/>
+              </a:ext>
+            </a:extLst>
+          </p:cNvPr>
+          <p:cNvSpPr txBox="1"/>
+          <p:nvPr/>
+        </p:nvSpPr>
+        <p:spPr>
+          <a:xfrm>
+            <a:off x="1408112" y="2970235"/>
+            <a:ext cx="9372600" cy="3155929"/>
+          </a:xfrm>
+          <a:prstGeom prst="rect">
+            <a:avLst/>
+          </a:prstGeom>
+          <a:solidFill>
+            <a:schemeClr val="bg1">
+              <a:lumMod val="85000"/>
+              <a:lumOff val="15000"/>
+            </a:schemeClr>
+          </a:solidFill>
+        </p:spPr>
+        <p:txBody>
+          <a:bodyPr wrap="square" rtlCol="0">
+            <a:spAutoFit/>
+          </a:bodyPr>
+          <a:lstStyle>
+            <a:defPPr>
+              <a:defRPr lang="en-US"/>
+            </a:defPPr>
+            <a:lvl1pPr>
+              <a:defRPr sz="2200">
+                <a:solidFill>
+                  <a:srgbClr val="0099FF"/>
+                </a:solidFill>
+                <a:latin typeface="Consolas" panose="020B0609020204030204" pitchFamily="49" charset="0"/>
+              </a:defRPr>
+            </a:lvl1pPr>
+          </a:lstStyle>
+          <a:p>
+            <a:pPr>
+              <a:lnSpc>
+                <a:spcPct val="114000"/>
+              </a:lnSpc>
+            </a:pPr>
+            <a:r>
+              <a:rPr lang="en-US" dirty="0" err="1">
+                <a:solidFill>
+                  <a:srgbClr val="66FFCC"/>
+                </a:solidFill>
+              </a:rPr>
+              <a:t>Console</a:t>
+            </a:r>
+            <a:r>
+              <a:rPr lang="en-US" dirty="0" err="1">
+                <a:solidFill>
+                  <a:schemeClr val="tx1"/>
+                </a:solidFill>
+              </a:rPr>
+              <a:t>.</a:t>
+            </a:r>
+            <a:r>
+              <a:rPr lang="en-US" dirty="0" err="1">
+                <a:solidFill>
+                  <a:srgbClr val="CC9900"/>
+                </a:solidFill>
+              </a:rPr>
+              <a:t>WriteLine</a:t>
+            </a:r>
+            <a:r>
+              <a:rPr lang="en-US" dirty="0">
+                <a:solidFill>
+                  <a:schemeClr val="tx1"/>
+                </a:solidFill>
+              </a:rPr>
+              <a:t>(</a:t>
+            </a:r>
+            <a:r>
+              <a:rPr lang="en-US" dirty="0">
+                <a:solidFill>
+                  <a:srgbClr val="FF5050"/>
+                </a:solidFill>
+              </a:rPr>
+              <a:t>"How many homework grades are there?"</a:t>
+            </a:r>
+            <a:r>
+              <a:rPr lang="en-US" dirty="0">
+                <a:solidFill>
+                  <a:schemeClr val="tx1"/>
+                </a:solidFill>
+              </a:rPr>
+              <a:t>);</a:t>
+            </a:r>
+            <a:endParaRPr lang="en-US" dirty="0"/>
+          </a:p>
+          <a:p>
+            <a:pPr>
+              <a:lnSpc>
+                <a:spcPct val="114000"/>
+              </a:lnSpc>
+            </a:pPr>
+            <a:r>
+              <a:rPr lang="en-US" dirty="0"/>
+              <a:t>int </a:t>
+            </a:r>
+            <a:r>
+              <a:rPr lang="en-US" dirty="0" err="1">
+                <a:solidFill>
+                  <a:schemeClr val="tx1"/>
+                </a:solidFill>
+              </a:rPr>
+              <a:t>numGrades</a:t>
+            </a:r>
+            <a:r>
+              <a:rPr lang="en-US" dirty="0">
+                <a:solidFill>
+                  <a:schemeClr val="tx1"/>
+                </a:solidFill>
+              </a:rPr>
+              <a:t> = </a:t>
+            </a:r>
+            <a:r>
+              <a:rPr lang="en-US" dirty="0" err="1"/>
+              <a:t>int</a:t>
+            </a:r>
+            <a:r>
+              <a:rPr lang="en-US" dirty="0" err="1">
+                <a:solidFill>
+                  <a:schemeClr val="tx1"/>
+                </a:solidFill>
+              </a:rPr>
+              <a:t>.</a:t>
+            </a:r>
+            <a:r>
+              <a:rPr lang="en-US" dirty="0" err="1">
+                <a:solidFill>
+                  <a:srgbClr val="CC9900"/>
+                </a:solidFill>
+              </a:rPr>
+              <a:t>Parse</a:t>
+            </a:r>
+            <a:r>
+              <a:rPr lang="en-US" dirty="0">
+                <a:solidFill>
+                  <a:schemeClr val="tx1"/>
+                </a:solidFill>
+              </a:rPr>
+              <a:t>(</a:t>
+            </a:r>
+            <a:r>
+              <a:rPr lang="en-US" dirty="0" err="1">
+                <a:solidFill>
+                  <a:srgbClr val="66FFCC"/>
+                </a:solidFill>
+              </a:rPr>
+              <a:t>Console</a:t>
+            </a:r>
+            <a:r>
+              <a:rPr lang="en-US" dirty="0" err="1">
+                <a:solidFill>
+                  <a:schemeClr val="tx1"/>
+                </a:solidFill>
+              </a:rPr>
+              <a:t>.</a:t>
+            </a:r>
+            <a:r>
+              <a:rPr lang="en-US" dirty="0" err="1">
+                <a:solidFill>
+                  <a:srgbClr val="CC9900"/>
+                </a:solidFill>
+              </a:rPr>
+              <a:t>ReadLine</a:t>
+            </a:r>
+            <a:r>
+              <a:rPr lang="en-US" dirty="0">
+                <a:solidFill>
+                  <a:schemeClr val="tx1"/>
+                </a:solidFill>
+              </a:rPr>
+              <a:t>());</a:t>
+            </a:r>
+            <a:endParaRPr lang="en-US" dirty="0"/>
+          </a:p>
+          <a:p>
+            <a:pPr>
+              <a:lnSpc>
+                <a:spcPct val="114000"/>
+              </a:lnSpc>
+            </a:pPr>
+            <a:r>
+              <a:rPr lang="en-US" dirty="0"/>
+              <a:t>double</a:t>
+            </a:r>
+            <a:r>
+              <a:rPr lang="en-US" dirty="0">
+                <a:solidFill>
+                  <a:schemeClr val="tx1"/>
+                </a:solidFill>
+              </a:rPr>
+              <a:t>[] </a:t>
+            </a:r>
+            <a:r>
+              <a:rPr lang="en-US" dirty="0" err="1">
+                <a:solidFill>
+                  <a:schemeClr val="tx1"/>
+                </a:solidFill>
+              </a:rPr>
+              <a:t>homeworkGrades</a:t>
+            </a:r>
+            <a:r>
+              <a:rPr lang="en-US" dirty="0">
+                <a:solidFill>
+                  <a:schemeClr val="tx1"/>
+                </a:solidFill>
+              </a:rPr>
+              <a:t> = </a:t>
+            </a:r>
+            <a:r>
+              <a:rPr lang="en-US" dirty="0"/>
+              <a:t>new double</a:t>
+            </a:r>
+            <a:r>
+              <a:rPr lang="en-US" dirty="0">
+                <a:solidFill>
+                  <a:schemeClr val="tx1"/>
+                </a:solidFill>
+              </a:rPr>
+              <a:t>[</a:t>
+            </a:r>
+            <a:r>
+              <a:rPr lang="en-US" dirty="0" err="1">
+                <a:solidFill>
+                  <a:schemeClr val="tx1"/>
+                </a:solidFill>
+              </a:rPr>
+              <a:t>numGrades</a:t>
+            </a:r>
+            <a:r>
+              <a:rPr lang="en-US" dirty="0">
+                <a:solidFill>
+                  <a:schemeClr val="tx1"/>
+                </a:solidFill>
+              </a:rPr>
+              <a:t>];</a:t>
+            </a:r>
+          </a:p>
+          <a:p>
+            <a:pPr>
+              <a:lnSpc>
+                <a:spcPct val="114000"/>
+              </a:lnSpc>
+            </a:pPr>
+            <a:r>
+              <a:rPr lang="en-US" dirty="0"/>
+              <a:t>for</a:t>
+            </a:r>
+            <a:r>
+              <a:rPr lang="en-US" dirty="0">
+                <a:solidFill>
+                  <a:schemeClr val="tx1"/>
+                </a:solidFill>
+              </a:rPr>
+              <a:t>(</a:t>
+            </a:r>
+            <a:r>
+              <a:rPr lang="en-US" dirty="0"/>
+              <a:t>int</a:t>
+            </a:r>
+            <a:r>
+              <a:rPr lang="en-US" dirty="0">
+                <a:solidFill>
+                  <a:schemeClr val="tx1"/>
+                </a:solidFill>
+              </a:rPr>
+              <a:t> </a:t>
+            </a:r>
+            <a:r>
+              <a:rPr lang="en-US" dirty="0" err="1">
+                <a:solidFill>
+                  <a:schemeClr val="tx1"/>
+                </a:solidFill>
+              </a:rPr>
+              <a:t>i</a:t>
+            </a:r>
+            <a:r>
+              <a:rPr lang="en-US" dirty="0">
+                <a:solidFill>
+                  <a:schemeClr val="tx1"/>
+                </a:solidFill>
+              </a:rPr>
+              <a:t> = </a:t>
+            </a:r>
+            <a:r>
+              <a:rPr lang="en-US" dirty="0">
+                <a:solidFill>
+                  <a:srgbClr val="99CC00"/>
+                </a:solidFill>
+              </a:rPr>
+              <a:t>0</a:t>
+            </a:r>
+            <a:r>
+              <a:rPr lang="en-US" dirty="0">
+                <a:solidFill>
+                  <a:schemeClr val="tx1"/>
+                </a:solidFill>
+              </a:rPr>
+              <a:t>; </a:t>
+            </a:r>
+            <a:r>
+              <a:rPr lang="en-US" dirty="0" err="1">
+                <a:solidFill>
+                  <a:schemeClr val="tx1"/>
+                </a:solidFill>
+              </a:rPr>
+              <a:t>i</a:t>
+            </a:r>
+            <a:r>
+              <a:rPr lang="en-US" dirty="0">
+                <a:solidFill>
+                  <a:schemeClr val="tx1"/>
+                </a:solidFill>
+              </a:rPr>
+              <a:t> &lt; </a:t>
+            </a:r>
+            <a:r>
+              <a:rPr lang="en-US" dirty="0" err="1">
+                <a:solidFill>
+                  <a:schemeClr val="tx1"/>
+                </a:solidFill>
+              </a:rPr>
+              <a:t>homeworkGrades.Length</a:t>
+            </a:r>
+            <a:r>
+              <a:rPr lang="en-US" dirty="0">
+                <a:solidFill>
+                  <a:schemeClr val="tx1"/>
+                </a:solidFill>
+              </a:rPr>
+              <a:t>; </a:t>
+            </a:r>
+            <a:r>
+              <a:rPr lang="en-US" dirty="0" err="1">
+                <a:solidFill>
+                  <a:schemeClr val="tx1"/>
+                </a:solidFill>
+              </a:rPr>
+              <a:t>i</a:t>
+            </a:r>
+            <a:r>
+              <a:rPr lang="en-US" dirty="0">
+                <a:solidFill>
+                  <a:schemeClr val="tx1"/>
+                </a:solidFill>
+              </a:rPr>
+              <a:t>++)</a:t>
+            </a:r>
+          </a:p>
+          <a:p>
+            <a:pPr>
+              <a:lnSpc>
+                <a:spcPct val="114000"/>
+              </a:lnSpc>
+            </a:pPr>
+            <a:r>
+              <a:rPr lang="en-US" dirty="0">
+                <a:solidFill>
+                  <a:schemeClr val="tx1"/>
+                </a:solidFill>
+              </a:rPr>
+              <a:t>{</a:t>
+            </a:r>
+          </a:p>
+          <a:p>
+            <a:pPr>
+              <a:lnSpc>
+                <a:spcPct val="114000"/>
+              </a:lnSpc>
+            </a:pPr>
+            <a:r>
+              <a:rPr lang="en-US" dirty="0">
+                <a:solidFill>
+                  <a:schemeClr val="tx1"/>
+                </a:solidFill>
+              </a:rPr>
+              <a:t>  </a:t>
+            </a:r>
+            <a:r>
+              <a:rPr lang="en-US" dirty="0" err="1">
+                <a:solidFill>
+                  <a:srgbClr val="66FFCC"/>
+                </a:solidFill>
+              </a:rPr>
+              <a:t>Console</a:t>
+            </a:r>
+            <a:r>
+              <a:rPr lang="en-US" dirty="0" err="1">
+                <a:solidFill>
+                  <a:schemeClr val="tx1"/>
+                </a:solidFill>
+              </a:rPr>
+              <a:t>.</a:t>
+            </a:r>
+            <a:r>
+              <a:rPr lang="en-US" dirty="0" err="1">
+                <a:solidFill>
+                  <a:srgbClr val="CC9900"/>
+                </a:solidFill>
+              </a:rPr>
+              <a:t>WriteLine</a:t>
+            </a:r>
+            <a:r>
+              <a:rPr lang="en-US" dirty="0">
+                <a:solidFill>
+                  <a:schemeClr val="tx1"/>
+                </a:solidFill>
+              </a:rPr>
+              <a:t>(</a:t>
+            </a:r>
+            <a:r>
+              <a:rPr lang="en-US" dirty="0">
+                <a:solidFill>
+                  <a:srgbClr val="FF5050"/>
+                </a:solidFill>
+              </a:rPr>
+              <a:t>$"Enter the grade for homework </a:t>
+            </a:r>
+            <a:r>
+              <a:rPr lang="en-US" dirty="0">
+                <a:solidFill>
+                  <a:srgbClr val="99CCFF"/>
+                </a:solidFill>
+              </a:rPr>
+              <a:t>{i+1}</a:t>
+            </a:r>
+            <a:r>
+              <a:rPr lang="en-US" dirty="0">
+                <a:solidFill>
+                  <a:srgbClr val="FF5050"/>
+                </a:solidFill>
+              </a:rPr>
+              <a:t>"</a:t>
+            </a:r>
+            <a:r>
+              <a:rPr lang="en-US" dirty="0">
+                <a:solidFill>
+                  <a:schemeClr val="tx1"/>
+                </a:solidFill>
+              </a:rPr>
+              <a:t>);</a:t>
+            </a:r>
+          </a:p>
+          <a:p>
+            <a:pPr>
+              <a:lnSpc>
+                <a:spcPct val="114000"/>
+              </a:lnSpc>
+            </a:pPr>
+            <a:r>
+              <a:rPr lang="en-US" dirty="0">
+                <a:solidFill>
+                  <a:schemeClr val="tx1"/>
+                </a:solidFill>
+              </a:rPr>
+              <a:t>  </a:t>
+            </a:r>
+            <a:r>
+              <a:rPr lang="en-US" dirty="0" err="1">
+                <a:solidFill>
+                  <a:schemeClr val="tx1"/>
+                </a:solidFill>
+              </a:rPr>
+              <a:t>homeworkGrades</a:t>
+            </a:r>
+            <a:r>
+              <a:rPr lang="en-US" dirty="0">
+                <a:solidFill>
+                  <a:schemeClr val="tx1"/>
+                </a:solidFill>
+              </a:rPr>
+              <a:t>[</a:t>
+            </a:r>
+            <a:r>
+              <a:rPr lang="en-US" dirty="0" err="1">
+                <a:solidFill>
+                  <a:schemeClr val="tx1"/>
+                </a:solidFill>
+              </a:rPr>
+              <a:t>i</a:t>
+            </a:r>
+            <a:r>
+              <a:rPr lang="en-US" dirty="0">
+                <a:solidFill>
+                  <a:schemeClr val="tx1"/>
+                </a:solidFill>
+              </a:rPr>
+              <a:t>] = </a:t>
+            </a:r>
+            <a:r>
+              <a:rPr lang="en-US" dirty="0" err="1"/>
+              <a:t>double</a:t>
+            </a:r>
+            <a:r>
+              <a:rPr lang="en-US" dirty="0" err="1">
+                <a:solidFill>
+                  <a:schemeClr val="tx1"/>
+                </a:solidFill>
+              </a:rPr>
+              <a:t>.</a:t>
+            </a:r>
+            <a:r>
+              <a:rPr lang="en-US" dirty="0" err="1">
+                <a:solidFill>
+                  <a:srgbClr val="CC9900"/>
+                </a:solidFill>
+              </a:rPr>
+              <a:t>Parse</a:t>
+            </a:r>
+            <a:r>
+              <a:rPr lang="en-US" dirty="0">
+                <a:solidFill>
+                  <a:schemeClr val="tx1"/>
+                </a:solidFill>
+              </a:rPr>
+              <a:t>(</a:t>
+            </a:r>
+            <a:r>
+              <a:rPr lang="en-US" dirty="0" err="1">
+                <a:solidFill>
+                  <a:srgbClr val="66FFCC"/>
+                </a:solidFill>
+              </a:rPr>
+              <a:t>Console</a:t>
+            </a:r>
+            <a:r>
+              <a:rPr lang="en-US" dirty="0" err="1">
+                <a:solidFill>
+                  <a:schemeClr val="tx1"/>
+                </a:solidFill>
+              </a:rPr>
+              <a:t>.</a:t>
+            </a:r>
+            <a:r>
+              <a:rPr lang="en-US" dirty="0" err="1">
+                <a:solidFill>
+                  <a:srgbClr val="CC9900"/>
+                </a:solidFill>
+              </a:rPr>
+              <a:t>ReadLine</a:t>
+            </a:r>
+            <a:r>
+              <a:rPr lang="en-US" dirty="0">
+                <a:solidFill>
+                  <a:schemeClr val="tx1"/>
+                </a:solidFill>
+              </a:rPr>
+              <a:t>());</a:t>
+            </a:r>
+          </a:p>
+          <a:p>
+            <a:pPr>
+              <a:lnSpc>
+                <a:spcPct val="114000"/>
+              </a:lnSpc>
+            </a:pPr>
+            <a:r>
+              <a:rPr lang="en-US" dirty="0">
+                <a:solidFill>
+                  <a:schemeClr val="tx1"/>
+                </a:solidFill>
+              </a:rPr>
+              <a:t>}</a:t>
+            </a:r>
+          </a:p>
+        </p:txBody>
+      </p:sp>
+    </p:spTree>
+    <p:extLst>
+      <p:ext uri="{BB962C8B-B14F-4D97-AF65-F5344CB8AC3E}">
+        <p14:creationId xmlns:p14="http://schemas.microsoft.com/office/powerpoint/2010/main" val="2268077954"/>
+      </p:ext>
+    </p:extLst>
+  </p:cSld>
+  <p:clrMapOvr>
+    <a:masterClrMapping/>
+  </p:clrMapOvr>
+</p:sld>
+</file>
+
+<file path=ppt/slides/slide24.xml><?xml version="1.0" encoding="utf-8"?>
+<p:sld xmlns:a="http://schemas.openxmlformats.org/drawingml/2006/main" xmlns:r="http://schemas.openxmlformats.org/officeDocument/2006/relationships" xmlns:p="http://schemas.openxmlformats.org/presentationml/2006/main">
+  <p:cSld>
+    <p:spTree>
+      <p:nvGrpSpPr>
+        <p:cNvPr id="1" name=""/>
+        <p:cNvGrpSpPr/>
+        <p:nvPr/>
+      </p:nvGrpSpPr>
+      <p:grpSpPr>
+        <a:xfrm>
+          <a:off x="0" y="0"/>
+          <a:ext cx="0" cy="0"/>
+          <a:chOff x="0" y="0"/>
+          <a:chExt cx="0" cy="0"/>
+        </a:xfrm>
+      </p:grpSpPr>
+      <p:sp>
+        <p:nvSpPr>
+          <p:cNvPr id="2" name="Title 1"/>
+          <p:cNvSpPr>
+            <a:spLocks noGrp="1"/>
+          </p:cNvSpPr>
+          <p:nvPr>
+            <p:ph type="title"/>
+          </p:nvPr>
+        </p:nvSpPr>
+        <p:spPr/>
+        <p:txBody>
+          <a:bodyPr/>
+          <a:lstStyle/>
+          <a:p>
+            <a:r>
+              <a:rPr lang="en-US" dirty="0"/>
+              <a:t>For Loop with Nested While</a:t>
+            </a:r>
+          </a:p>
+        </p:txBody>
+      </p:sp>
+      <p:sp>
+        <p:nvSpPr>
+          <p:cNvPr id="4" name="Footer Placeholder 3"/>
+          <p:cNvSpPr>
+            <a:spLocks noGrp="1"/>
+          </p:cNvSpPr>
+          <p:nvPr>
+            <p:ph type="ftr" sz="quarter" idx="11"/>
+          </p:nvPr>
+        </p:nvSpPr>
+        <p:spPr/>
+        <p:txBody>
+          <a:bodyPr/>
+          <a:lstStyle/>
+          <a:p>
+            <a:r>
+              <a:rPr lang="en-US"/>
+              <a:t>CSCI 1301</a:t>
+            </a:r>
+          </a:p>
+        </p:txBody>
+      </p:sp>
+      <p:sp>
+        <p:nvSpPr>
+          <p:cNvPr id="5" name="TextBox 4">
+            <a:extLst>
+              <a:ext uri="{FF2B5EF4-FFF2-40B4-BE49-F238E27FC236}">
+                <a16:creationId xmlns:a16="http://schemas.microsoft.com/office/drawing/2014/main" id="{29F5F8A7-0B3B-4815-AD60-93094608CB81}"/>
+              </a:ext>
+            </a:extLst>
+          </p:cNvPr>
+          <p:cNvSpPr txBox="1"/>
+          <p:nvPr/>
+        </p:nvSpPr>
+        <p:spPr>
+          <a:xfrm>
+            <a:off x="379412" y="1426480"/>
+            <a:ext cx="11125200" cy="4699684"/>
+          </a:xfrm>
+          <a:prstGeom prst="rect">
+            <a:avLst/>
+          </a:prstGeom>
+          <a:solidFill>
+            <a:schemeClr val="bg1">
+              <a:lumMod val="85000"/>
+              <a:lumOff val="15000"/>
+            </a:schemeClr>
+          </a:solidFill>
+        </p:spPr>
+        <p:txBody>
+          <a:bodyPr wrap="square" rtlCol="0">
+            <a:spAutoFit/>
+          </a:bodyPr>
+          <a:lstStyle>
+            <a:defPPr>
+              <a:defRPr lang="en-US"/>
+            </a:defPPr>
+            <a:lvl1pPr>
+              <a:defRPr sz="2200">
+                <a:solidFill>
+                  <a:srgbClr val="0099FF"/>
+                </a:solidFill>
+                <a:latin typeface="Consolas" panose="020B0609020204030204" pitchFamily="49" charset="0"/>
+              </a:defRPr>
+            </a:lvl1pPr>
+          </a:lstStyle>
+          <a:p>
+            <a:pPr>
+              <a:lnSpc>
+                <a:spcPct val="114000"/>
+              </a:lnSpc>
+            </a:pPr>
+            <a:r>
+              <a:rPr lang="en-US" dirty="0" err="1">
+                <a:solidFill>
+                  <a:srgbClr val="66FFCC"/>
+                </a:solidFill>
+              </a:rPr>
+              <a:t>Console</a:t>
+            </a:r>
+            <a:r>
+              <a:rPr lang="en-US" dirty="0" err="1">
+                <a:solidFill>
+                  <a:schemeClr val="tx1"/>
+                </a:solidFill>
+              </a:rPr>
+              <a:t>.</a:t>
+            </a:r>
+            <a:r>
+              <a:rPr lang="en-US" dirty="0" err="1">
+                <a:solidFill>
+                  <a:srgbClr val="CC9900"/>
+                </a:solidFill>
+              </a:rPr>
+              <a:t>WriteLine</a:t>
+            </a:r>
+            <a:r>
+              <a:rPr lang="en-US" dirty="0">
+                <a:solidFill>
+                  <a:schemeClr val="tx1"/>
+                </a:solidFill>
+              </a:rPr>
+              <a:t>(</a:t>
+            </a:r>
+            <a:r>
+              <a:rPr lang="en-US" dirty="0">
+                <a:solidFill>
+                  <a:srgbClr val="FF5050"/>
+                </a:solidFill>
+              </a:rPr>
+              <a:t>"How many homework grades are there?"</a:t>
+            </a:r>
+            <a:r>
+              <a:rPr lang="en-US" dirty="0">
+                <a:solidFill>
+                  <a:schemeClr val="tx1"/>
+                </a:solidFill>
+              </a:rPr>
+              <a:t>);</a:t>
+            </a:r>
+            <a:endParaRPr lang="en-US" dirty="0"/>
+          </a:p>
+          <a:p>
+            <a:pPr>
+              <a:lnSpc>
+                <a:spcPct val="114000"/>
+              </a:lnSpc>
+            </a:pPr>
+            <a:r>
+              <a:rPr lang="en-US" dirty="0"/>
+              <a:t>int </a:t>
+            </a:r>
+            <a:r>
+              <a:rPr lang="en-US" dirty="0" err="1">
+                <a:solidFill>
+                  <a:schemeClr val="tx1"/>
+                </a:solidFill>
+              </a:rPr>
+              <a:t>numGrades</a:t>
+            </a:r>
+            <a:r>
+              <a:rPr lang="en-US" dirty="0">
+                <a:solidFill>
+                  <a:schemeClr val="tx1"/>
+                </a:solidFill>
+              </a:rPr>
+              <a:t> = </a:t>
+            </a:r>
+            <a:r>
+              <a:rPr lang="en-US" dirty="0" err="1"/>
+              <a:t>int</a:t>
+            </a:r>
+            <a:r>
+              <a:rPr lang="en-US" dirty="0" err="1">
+                <a:solidFill>
+                  <a:schemeClr val="tx1"/>
+                </a:solidFill>
+              </a:rPr>
+              <a:t>.</a:t>
+            </a:r>
+            <a:r>
+              <a:rPr lang="en-US" dirty="0" err="1">
+                <a:solidFill>
+                  <a:srgbClr val="CC9900"/>
+                </a:solidFill>
+              </a:rPr>
+              <a:t>Parse</a:t>
+            </a:r>
+            <a:r>
+              <a:rPr lang="en-US" dirty="0">
+                <a:solidFill>
+                  <a:schemeClr val="tx1"/>
+                </a:solidFill>
+              </a:rPr>
+              <a:t>(</a:t>
+            </a:r>
+            <a:r>
+              <a:rPr lang="en-US" dirty="0" err="1">
+                <a:solidFill>
+                  <a:srgbClr val="66FFCC"/>
+                </a:solidFill>
+              </a:rPr>
+              <a:t>Console</a:t>
+            </a:r>
+            <a:r>
+              <a:rPr lang="en-US" dirty="0" err="1">
+                <a:solidFill>
+                  <a:schemeClr val="tx1"/>
+                </a:solidFill>
+              </a:rPr>
+              <a:t>.</a:t>
+            </a:r>
+            <a:r>
+              <a:rPr lang="en-US" dirty="0" err="1">
+                <a:solidFill>
+                  <a:srgbClr val="CC9900"/>
+                </a:solidFill>
+              </a:rPr>
+              <a:t>ReadLine</a:t>
+            </a:r>
+            <a:r>
+              <a:rPr lang="en-US" dirty="0">
+                <a:solidFill>
+                  <a:schemeClr val="tx1"/>
+                </a:solidFill>
+              </a:rPr>
+              <a:t>());</a:t>
+            </a:r>
+            <a:endParaRPr lang="en-US" dirty="0"/>
+          </a:p>
+          <a:p>
+            <a:pPr>
+              <a:lnSpc>
+                <a:spcPct val="114000"/>
+              </a:lnSpc>
+            </a:pPr>
+            <a:r>
+              <a:rPr lang="en-US" dirty="0"/>
+              <a:t>double</a:t>
+            </a:r>
+            <a:r>
+              <a:rPr lang="en-US" dirty="0">
+                <a:solidFill>
+                  <a:schemeClr val="tx1"/>
+                </a:solidFill>
+              </a:rPr>
+              <a:t>[] </a:t>
+            </a:r>
+            <a:r>
+              <a:rPr lang="en-US" dirty="0" err="1">
+                <a:solidFill>
+                  <a:schemeClr val="tx1"/>
+                </a:solidFill>
+              </a:rPr>
+              <a:t>homeworkGrades</a:t>
+            </a:r>
+            <a:r>
+              <a:rPr lang="en-US" dirty="0">
+                <a:solidFill>
+                  <a:schemeClr val="tx1"/>
+                </a:solidFill>
+              </a:rPr>
+              <a:t> = </a:t>
+            </a:r>
+            <a:r>
+              <a:rPr lang="en-US" dirty="0"/>
+              <a:t>new double</a:t>
+            </a:r>
+            <a:r>
+              <a:rPr lang="en-US" dirty="0">
+                <a:solidFill>
+                  <a:schemeClr val="tx1"/>
+                </a:solidFill>
+              </a:rPr>
+              <a:t>[</a:t>
+            </a:r>
+            <a:r>
+              <a:rPr lang="en-US" dirty="0" err="1">
+                <a:solidFill>
+                  <a:schemeClr val="tx1"/>
+                </a:solidFill>
+              </a:rPr>
+              <a:t>numGrades</a:t>
+            </a:r>
+            <a:r>
+              <a:rPr lang="en-US" dirty="0">
+                <a:solidFill>
+                  <a:schemeClr val="tx1"/>
+                </a:solidFill>
+              </a:rPr>
+              <a:t>];</a:t>
+            </a:r>
+          </a:p>
+          <a:p>
+            <a:pPr>
+              <a:lnSpc>
+                <a:spcPct val="114000"/>
+              </a:lnSpc>
+            </a:pPr>
+            <a:r>
+              <a:rPr lang="en-US" dirty="0"/>
+              <a:t>for</a:t>
+            </a:r>
+            <a:r>
+              <a:rPr lang="en-US" dirty="0">
+                <a:solidFill>
+                  <a:schemeClr val="tx1"/>
+                </a:solidFill>
+              </a:rPr>
+              <a:t>(</a:t>
+            </a:r>
+            <a:r>
+              <a:rPr lang="en-US" dirty="0"/>
+              <a:t>int</a:t>
+            </a:r>
+            <a:r>
+              <a:rPr lang="en-US" dirty="0">
+                <a:solidFill>
+                  <a:schemeClr val="tx1"/>
+                </a:solidFill>
+              </a:rPr>
+              <a:t> </a:t>
+            </a:r>
+            <a:r>
+              <a:rPr lang="en-US" dirty="0" err="1">
+                <a:solidFill>
+                  <a:schemeClr val="tx1"/>
+                </a:solidFill>
+              </a:rPr>
+              <a:t>i</a:t>
+            </a:r>
+            <a:r>
+              <a:rPr lang="en-US" dirty="0">
+                <a:solidFill>
+                  <a:schemeClr val="tx1"/>
+                </a:solidFill>
+              </a:rPr>
+              <a:t> = </a:t>
+            </a:r>
+            <a:r>
+              <a:rPr lang="en-US" dirty="0">
+                <a:solidFill>
+                  <a:srgbClr val="99CC00"/>
+                </a:solidFill>
+              </a:rPr>
+              <a:t>0</a:t>
+            </a:r>
+            <a:r>
+              <a:rPr lang="en-US" dirty="0">
+                <a:solidFill>
+                  <a:schemeClr val="tx1"/>
+                </a:solidFill>
+              </a:rPr>
+              <a:t>; </a:t>
+            </a:r>
+            <a:r>
+              <a:rPr lang="en-US" dirty="0" err="1">
+                <a:solidFill>
+                  <a:schemeClr val="tx1"/>
+                </a:solidFill>
+              </a:rPr>
+              <a:t>i</a:t>
+            </a:r>
+            <a:r>
+              <a:rPr lang="en-US" dirty="0">
+                <a:solidFill>
+                  <a:schemeClr val="tx1"/>
+                </a:solidFill>
+              </a:rPr>
+              <a:t> &lt; </a:t>
+            </a:r>
+            <a:r>
+              <a:rPr lang="en-US" dirty="0" err="1">
+                <a:solidFill>
+                  <a:schemeClr val="tx1"/>
+                </a:solidFill>
+              </a:rPr>
+              <a:t>homeworkGrades.Length</a:t>
+            </a:r>
+            <a:r>
+              <a:rPr lang="en-US" dirty="0">
+                <a:solidFill>
+                  <a:schemeClr val="tx1"/>
+                </a:solidFill>
+              </a:rPr>
+              <a:t>; </a:t>
+            </a:r>
+            <a:r>
+              <a:rPr lang="en-US" dirty="0" err="1">
+                <a:solidFill>
+                  <a:schemeClr val="tx1"/>
+                </a:solidFill>
+              </a:rPr>
+              <a:t>i</a:t>
+            </a:r>
+            <a:r>
+              <a:rPr lang="en-US" dirty="0">
+                <a:solidFill>
+                  <a:schemeClr val="tx1"/>
+                </a:solidFill>
+              </a:rPr>
+              <a:t>++)</a:t>
+            </a:r>
+          </a:p>
+          <a:p>
+            <a:pPr>
+              <a:lnSpc>
+                <a:spcPct val="114000"/>
+              </a:lnSpc>
+            </a:pPr>
+            <a:r>
+              <a:rPr lang="en-US" dirty="0">
+                <a:solidFill>
+                  <a:schemeClr val="tx1"/>
+                </a:solidFill>
+              </a:rPr>
+              <a:t>{</a:t>
+            </a:r>
+          </a:p>
+          <a:p>
+            <a:pPr>
+              <a:lnSpc>
+                <a:spcPct val="114000"/>
+              </a:lnSpc>
+            </a:pPr>
+            <a:r>
+              <a:rPr lang="en-US" dirty="0">
+                <a:solidFill>
+                  <a:schemeClr val="tx1"/>
+                </a:solidFill>
+              </a:rPr>
+              <a:t>  </a:t>
+            </a:r>
+            <a:r>
+              <a:rPr lang="en-US" dirty="0"/>
+              <a:t>bool</a:t>
+            </a:r>
+            <a:r>
+              <a:rPr lang="en-US" dirty="0">
+                <a:solidFill>
+                  <a:schemeClr val="tx1"/>
+                </a:solidFill>
+              </a:rPr>
+              <a:t> </a:t>
+            </a:r>
+            <a:r>
+              <a:rPr lang="en-US" dirty="0" err="1">
+                <a:solidFill>
+                  <a:schemeClr val="tx1"/>
+                </a:solidFill>
+              </a:rPr>
+              <a:t>isNum</a:t>
+            </a:r>
+            <a:r>
+              <a:rPr lang="en-US" dirty="0">
+                <a:solidFill>
+                  <a:schemeClr val="tx1"/>
+                </a:solidFill>
+              </a:rPr>
+              <a:t>;</a:t>
+            </a:r>
+          </a:p>
+          <a:p>
+            <a:pPr>
+              <a:lnSpc>
+                <a:spcPct val="114000"/>
+              </a:lnSpc>
+            </a:pPr>
+            <a:r>
+              <a:rPr lang="en-US" dirty="0">
+                <a:solidFill>
+                  <a:schemeClr val="tx1"/>
+                </a:solidFill>
+              </a:rPr>
+              <a:t>  </a:t>
+            </a:r>
+            <a:r>
+              <a:rPr lang="en-US" dirty="0"/>
+              <a:t>do</a:t>
+            </a:r>
+          </a:p>
+          <a:p>
+            <a:pPr>
+              <a:lnSpc>
+                <a:spcPct val="114000"/>
+              </a:lnSpc>
+            </a:pPr>
+            <a:r>
+              <a:rPr lang="en-US" dirty="0">
+                <a:solidFill>
+                  <a:schemeClr val="tx1"/>
+                </a:solidFill>
+              </a:rPr>
+              <a:t>  {</a:t>
+            </a:r>
+          </a:p>
+          <a:p>
+            <a:pPr>
+              <a:lnSpc>
+                <a:spcPct val="114000"/>
+              </a:lnSpc>
+            </a:pPr>
+            <a:r>
+              <a:rPr lang="en-US" dirty="0">
+                <a:solidFill>
+                  <a:schemeClr val="tx1"/>
+                </a:solidFill>
+              </a:rPr>
+              <a:t>    </a:t>
+            </a:r>
+            <a:r>
+              <a:rPr lang="en-US" dirty="0" err="1">
+                <a:solidFill>
+                  <a:srgbClr val="66FFCC"/>
+                </a:solidFill>
+              </a:rPr>
+              <a:t>Console</a:t>
+            </a:r>
+            <a:r>
+              <a:rPr lang="en-US" dirty="0" err="1">
+                <a:solidFill>
+                  <a:schemeClr val="tx1"/>
+                </a:solidFill>
+              </a:rPr>
+              <a:t>.</a:t>
+            </a:r>
+            <a:r>
+              <a:rPr lang="en-US" dirty="0" err="1">
+                <a:solidFill>
+                  <a:srgbClr val="CC9900"/>
+                </a:solidFill>
+              </a:rPr>
+              <a:t>WriteLine</a:t>
+            </a:r>
+            <a:r>
+              <a:rPr lang="en-US" dirty="0">
+                <a:solidFill>
+                  <a:schemeClr val="tx1"/>
+                </a:solidFill>
+              </a:rPr>
+              <a:t>(</a:t>
+            </a:r>
+            <a:r>
+              <a:rPr lang="en-US" dirty="0">
+                <a:solidFill>
+                  <a:srgbClr val="FF5050"/>
+                </a:solidFill>
+              </a:rPr>
+              <a:t>$"Enter the grade for homework </a:t>
+            </a:r>
+            <a:r>
+              <a:rPr lang="en-US" dirty="0">
+                <a:solidFill>
+                  <a:srgbClr val="99CCFF"/>
+                </a:solidFill>
+              </a:rPr>
+              <a:t>{i+1}</a:t>
+            </a:r>
+            <a:r>
+              <a:rPr lang="en-US" dirty="0">
+                <a:solidFill>
+                  <a:srgbClr val="FF5050"/>
+                </a:solidFill>
+              </a:rPr>
+              <a:t>"</a:t>
+            </a:r>
+            <a:r>
+              <a:rPr lang="en-US" dirty="0">
+                <a:solidFill>
+                  <a:schemeClr val="tx1"/>
+                </a:solidFill>
+              </a:rPr>
+              <a:t>);</a:t>
+            </a:r>
+          </a:p>
+          <a:p>
+            <a:pPr>
+              <a:lnSpc>
+                <a:spcPct val="114000"/>
+              </a:lnSpc>
+            </a:pPr>
+            <a:r>
+              <a:rPr lang="en-US" dirty="0">
+                <a:solidFill>
+                  <a:schemeClr val="tx1"/>
+                </a:solidFill>
+              </a:rPr>
+              <a:t>    </a:t>
+            </a:r>
+            <a:r>
+              <a:rPr lang="en-US" dirty="0" err="1">
+                <a:solidFill>
+                  <a:schemeClr val="tx1"/>
+                </a:solidFill>
+              </a:rPr>
+              <a:t>isNum</a:t>
+            </a:r>
+            <a:r>
+              <a:rPr lang="en-US" dirty="0">
+                <a:solidFill>
+                  <a:schemeClr val="tx1"/>
+                </a:solidFill>
+              </a:rPr>
+              <a:t> = </a:t>
+            </a:r>
+            <a:r>
+              <a:rPr lang="en-US" dirty="0" err="1"/>
+              <a:t>double</a:t>
+            </a:r>
+            <a:r>
+              <a:rPr lang="en-US" dirty="0" err="1">
+                <a:solidFill>
+                  <a:schemeClr val="tx1"/>
+                </a:solidFill>
+              </a:rPr>
+              <a:t>.</a:t>
+            </a:r>
+            <a:r>
+              <a:rPr lang="en-US" dirty="0" err="1">
+                <a:solidFill>
+                  <a:srgbClr val="CC9900"/>
+                </a:solidFill>
+              </a:rPr>
+              <a:t>TryParse</a:t>
+            </a:r>
+            <a:r>
+              <a:rPr lang="en-US" dirty="0">
+                <a:solidFill>
+                  <a:schemeClr val="tx1"/>
+                </a:solidFill>
+              </a:rPr>
+              <a:t>(</a:t>
+            </a:r>
+            <a:r>
+              <a:rPr lang="en-US" dirty="0" err="1">
+                <a:solidFill>
+                  <a:srgbClr val="66FFCC"/>
+                </a:solidFill>
+              </a:rPr>
+              <a:t>Console</a:t>
+            </a:r>
+            <a:r>
+              <a:rPr lang="en-US" dirty="0" err="1">
+                <a:solidFill>
+                  <a:schemeClr val="tx1"/>
+                </a:solidFill>
+              </a:rPr>
+              <a:t>.</a:t>
+            </a:r>
+            <a:r>
+              <a:rPr lang="en-US" dirty="0" err="1">
+                <a:solidFill>
+                  <a:srgbClr val="CC9900"/>
+                </a:solidFill>
+              </a:rPr>
+              <a:t>ReadLine</a:t>
+            </a:r>
+            <a:r>
+              <a:rPr lang="en-US" dirty="0">
+                <a:solidFill>
+                  <a:schemeClr val="tx1"/>
+                </a:solidFill>
+              </a:rPr>
+              <a:t>(), </a:t>
+            </a:r>
+            <a:r>
+              <a:rPr lang="en-US" dirty="0"/>
+              <a:t>out</a:t>
+            </a:r>
+            <a:r>
+              <a:rPr lang="en-US" dirty="0">
+                <a:solidFill>
+                  <a:schemeClr val="tx1"/>
+                </a:solidFill>
+              </a:rPr>
+              <a:t> </a:t>
+            </a:r>
+            <a:r>
+              <a:rPr lang="en-US" dirty="0" err="1">
+                <a:solidFill>
+                  <a:schemeClr val="tx1"/>
+                </a:solidFill>
+              </a:rPr>
+              <a:t>homeworkGrades</a:t>
+            </a:r>
+            <a:r>
+              <a:rPr lang="en-US" dirty="0">
+                <a:solidFill>
+                  <a:schemeClr val="tx1"/>
+                </a:solidFill>
+              </a:rPr>
+              <a:t>[</a:t>
+            </a:r>
+            <a:r>
+              <a:rPr lang="en-US" dirty="0" err="1">
+                <a:solidFill>
+                  <a:schemeClr val="tx1"/>
+                </a:solidFill>
+              </a:rPr>
+              <a:t>i</a:t>
+            </a:r>
+            <a:r>
+              <a:rPr lang="en-US" dirty="0">
+                <a:solidFill>
+                  <a:schemeClr val="tx1"/>
+                </a:solidFill>
+              </a:rPr>
+              <a:t>]);</a:t>
+            </a:r>
+          </a:p>
+          <a:p>
+            <a:pPr>
+              <a:lnSpc>
+                <a:spcPct val="114000"/>
+              </a:lnSpc>
+            </a:pPr>
+            <a:r>
+              <a:rPr lang="en-US" dirty="0">
+                <a:solidFill>
+                  <a:schemeClr val="tx1"/>
+                </a:solidFill>
+              </a:rPr>
+              <a:t>  } </a:t>
+            </a:r>
+            <a:r>
+              <a:rPr lang="en-US" dirty="0"/>
+              <a:t>while</a:t>
+            </a:r>
+            <a:r>
+              <a:rPr lang="en-US" dirty="0">
+                <a:solidFill>
+                  <a:schemeClr val="tx1"/>
+                </a:solidFill>
+              </a:rPr>
+              <a:t>(!</a:t>
+            </a:r>
+            <a:r>
+              <a:rPr lang="en-US" dirty="0" err="1">
+                <a:solidFill>
+                  <a:schemeClr val="tx1"/>
+                </a:solidFill>
+              </a:rPr>
+              <a:t>isNum</a:t>
+            </a:r>
+            <a:r>
+              <a:rPr lang="en-US" dirty="0">
+                <a:solidFill>
+                  <a:schemeClr val="tx1"/>
+                </a:solidFill>
+              </a:rPr>
+              <a:t> || </a:t>
+            </a:r>
+            <a:r>
+              <a:rPr lang="en-US" dirty="0" err="1">
+                <a:solidFill>
+                  <a:schemeClr val="tx1"/>
+                </a:solidFill>
+              </a:rPr>
+              <a:t>homeworkGrades</a:t>
+            </a:r>
+            <a:r>
+              <a:rPr lang="en-US" dirty="0">
+                <a:solidFill>
+                  <a:schemeClr val="tx1"/>
+                </a:solidFill>
+              </a:rPr>
+              <a:t>[</a:t>
+            </a:r>
+            <a:r>
+              <a:rPr lang="en-US" dirty="0" err="1">
+                <a:solidFill>
+                  <a:schemeClr val="tx1"/>
+                </a:solidFill>
+              </a:rPr>
+              <a:t>i</a:t>
+            </a:r>
+            <a:r>
+              <a:rPr lang="en-US" dirty="0">
+                <a:solidFill>
+                  <a:schemeClr val="tx1"/>
+                </a:solidFill>
+              </a:rPr>
+              <a:t>] &lt; </a:t>
+            </a:r>
+            <a:r>
+              <a:rPr lang="en-US" dirty="0">
+                <a:solidFill>
+                  <a:srgbClr val="99CC00"/>
+                </a:solidFill>
+              </a:rPr>
+              <a:t>0</a:t>
+            </a:r>
+            <a:r>
+              <a:rPr lang="en-US" dirty="0">
+                <a:solidFill>
+                  <a:schemeClr val="tx1"/>
+                </a:solidFill>
+              </a:rPr>
+              <a:t>);</a:t>
+            </a:r>
+          </a:p>
+          <a:p>
+            <a:pPr>
+              <a:lnSpc>
+                <a:spcPct val="114000"/>
+              </a:lnSpc>
+            </a:pPr>
+            <a:r>
+              <a:rPr lang="en-US" dirty="0">
+                <a:solidFill>
+                  <a:schemeClr val="tx1"/>
+                </a:solidFill>
+              </a:rPr>
+              <a:t>}</a:t>
+            </a:r>
+          </a:p>
+        </p:txBody>
+      </p:sp>
+      <p:sp>
+        <p:nvSpPr>
+          <p:cNvPr id="6" name="TextBox 5">
+            <a:extLst>
+              <a:ext uri="{FF2B5EF4-FFF2-40B4-BE49-F238E27FC236}">
+                <a16:creationId xmlns:a16="http://schemas.microsoft.com/office/drawing/2014/main" id="{33320001-29D5-4F07-8A29-152785F9C9CF}"/>
+              </a:ext>
+            </a:extLst>
+          </p:cNvPr>
+          <p:cNvSpPr txBox="1"/>
+          <p:nvPr/>
+        </p:nvSpPr>
+        <p:spPr>
+          <a:xfrm>
+            <a:off x="8380412" y="1828800"/>
+            <a:ext cx="3581400" cy="830997"/>
+          </a:xfrm>
+          <a:prstGeom prst="rect">
+            <a:avLst/>
+          </a:prstGeom>
+          <a:noFill/>
+        </p:spPr>
+        <p:txBody>
+          <a:bodyPr wrap="square" rtlCol="0">
+            <a:spAutoFit/>
+          </a:bodyPr>
+          <a:lstStyle/>
+          <a:p>
+            <a:r>
+              <a:rPr lang="en-US" dirty="0"/>
+              <a:t>Adding a </a:t>
+            </a:r>
+            <a:r>
+              <a:rPr lang="en-US" dirty="0" err="1">
+                <a:latin typeface="Consolas" panose="020B0609020204030204" pitchFamily="49" charset="0"/>
+              </a:rPr>
+              <a:t>TryParse</a:t>
+            </a:r>
+            <a:r>
+              <a:rPr lang="en-US" dirty="0"/>
+              <a:t> loop here won’t fit on the slide</a:t>
+            </a:r>
+          </a:p>
+        </p:txBody>
+      </p:sp>
+      <p:cxnSp>
+        <p:nvCxnSpPr>
+          <p:cNvPr id="8" name="Straight Arrow Connector 7">
+            <a:extLst>
+              <a:ext uri="{FF2B5EF4-FFF2-40B4-BE49-F238E27FC236}">
+                <a16:creationId xmlns:a16="http://schemas.microsoft.com/office/drawing/2014/main" id="{58B002BB-6EB5-4A51-8509-7F7F2E9A252E}"/>
+              </a:ext>
+            </a:extLst>
+          </p:cNvPr>
+          <p:cNvCxnSpPr/>
+          <p:nvPr/>
+        </p:nvCxnSpPr>
+        <p:spPr>
+          <a:xfrm flipH="1">
+            <a:off x="7542212" y="2057400"/>
+            <a:ext cx="838200" cy="0"/>
+          </a:xfrm>
+          <a:prstGeom prst="straightConnector1">
+            <a:avLst/>
+          </a:prstGeom>
+          <a:ln>
+            <a:tailEnd type="triangle"/>
+          </a:ln>
+        </p:spPr>
+        <p:style>
+          <a:lnRef idx="2">
+            <a:schemeClr val="accent6"/>
+          </a:lnRef>
+          <a:fillRef idx="0">
+            <a:schemeClr val="accent6"/>
+          </a:fillRef>
+          <a:effectRef idx="1">
+            <a:schemeClr val="accent6"/>
+          </a:effectRef>
+          <a:fontRef idx="minor">
+            <a:schemeClr val="tx1"/>
+          </a:fontRef>
+        </p:style>
+      </p:cxnSp>
+      <p:sp>
+        <p:nvSpPr>
+          <p:cNvPr id="9" name="Rectangle 8">
+            <a:extLst>
+              <a:ext uri="{FF2B5EF4-FFF2-40B4-BE49-F238E27FC236}">
+                <a16:creationId xmlns:a16="http://schemas.microsoft.com/office/drawing/2014/main" id="{6A76B4E9-9978-4872-85C1-37F43E7A75DB}"/>
+              </a:ext>
+            </a:extLst>
+          </p:cNvPr>
+          <p:cNvSpPr/>
+          <p:nvPr/>
+        </p:nvSpPr>
+        <p:spPr>
+          <a:xfrm>
+            <a:off x="1979612" y="5340818"/>
+            <a:ext cx="4800600" cy="335404"/>
+          </a:xfrm>
+          <a:prstGeom prst="rect">
+            <a:avLst/>
+          </a:prstGeom>
+          <a:solidFill>
+            <a:schemeClr val="bg1">
+              <a:lumMod val="85000"/>
+              <a:lumOff val="15000"/>
+            </a:schemeClr>
+          </a:solidFill>
+          <a:ln>
+            <a:noFill/>
+          </a:ln>
+        </p:spPr>
+        <p:style>
+          <a:lnRef idx="2">
+            <a:schemeClr val="dk1">
+              <a:shade val="50000"/>
+            </a:schemeClr>
+          </a:lnRef>
+          <a:fillRef idx="1">
+            <a:schemeClr val="dk1"/>
+          </a:fillRef>
+          <a:effectRef idx="0">
+            <a:schemeClr val="dk1"/>
+          </a:effectRef>
+          <a:fontRef idx="minor">
+            <a:schemeClr val="lt1"/>
+          </a:fontRef>
+        </p:style>
+        <p:txBody>
+          <a:bodyPr rtlCol="0" anchor="ctr"/>
+          <a:lstStyle/>
+          <a:p>
+            <a:pPr algn="ctr"/>
+            <a:endParaRPr lang="en-US"/>
+          </a:p>
+        </p:txBody>
+      </p:sp>
+    </p:spTree>
+    <p:extLst>
+      <p:ext uri="{BB962C8B-B14F-4D97-AF65-F5344CB8AC3E}">
+        <p14:creationId xmlns:p14="http://schemas.microsoft.com/office/powerpoint/2010/main" val="1024236867"/>
+      </p:ext>
+    </p:extLst>
+  </p:cSld>
+  <p:clrMapOvr>
+    <a:masterClrMapping/>
+  </p:clrMapOvr>
+  <p:timing>
+    <p:tnLst>
+      <p:par>
+        <p:cTn id="1" dur="indefinite" restart="never" nodeType="tmRoot">
+          <p:childTnLst>
+            <p:seq concurrent="1" nextAc="seek">
+              <p:cTn id="2" dur="indefinite" nodeType="mainSeq">
+                <p:childTnLst>
+                  <p:par>
+                    <p:cTn id="3" fill="hold">
+                      <p:stCondLst>
+                        <p:cond delay="indefinite"/>
+                      </p:stCondLst>
+                      <p:childTnLst>
+                        <p:par>
+                          <p:cTn id="4" fill="hold">
+                            <p:stCondLst>
+                              <p:cond delay="0"/>
+                            </p:stCondLst>
+                            <p:childTnLst>
+                              <p:par>
+                                <p:cTn id="5" presetID="1" presetClass="entr" presetSubtype="0" fill="hold" nodeType="clickEffect">
+                                  <p:stCondLst>
+                                    <p:cond delay="0"/>
+                                  </p:stCondLst>
+                                  <p:childTnLst>
+                                    <p:set>
+                                      <p:cBhvr>
+                                        <p:cTn id="6" dur="1" fill="hold">
+                                          <p:stCondLst>
+                                            <p:cond delay="0"/>
+                                          </p:stCondLst>
+                                        </p:cTn>
+                                        <p:tgtEl>
+                                          <p:spTgt spid="5">
+                                            <p:txEl>
+                                              <p:pRg st="6" end="6"/>
+                                            </p:txEl>
+                                          </p:spTgt>
+                                        </p:tgtEl>
+                                        <p:attrNameLst>
+                                          <p:attrName>style.visibility</p:attrName>
+                                        </p:attrNameLst>
+                                      </p:cBhvr>
+                                      <p:to>
+                                        <p:strVal val="visible"/>
+                                      </p:to>
+                                    </p:set>
+                                  </p:childTnLst>
+                                </p:cTn>
+                              </p:par>
+                              <p:par>
+                                <p:cTn id="7" presetID="1" presetClass="entr" presetSubtype="0" fill="hold" nodeType="withEffect">
+                                  <p:stCondLst>
+                                    <p:cond delay="0"/>
+                                  </p:stCondLst>
+                                  <p:childTnLst>
+                                    <p:set>
+                                      <p:cBhvr>
+                                        <p:cTn id="8" dur="1" fill="hold">
+                                          <p:stCondLst>
+                                            <p:cond delay="0"/>
+                                          </p:stCondLst>
+                                        </p:cTn>
+                                        <p:tgtEl>
+                                          <p:spTgt spid="5">
+                                            <p:txEl>
+                                              <p:pRg st="7" end="7"/>
+                                            </p:txEl>
+                                          </p:spTgt>
+                                        </p:tgtEl>
+                                        <p:attrNameLst>
+                                          <p:attrName>style.visibility</p:attrName>
+                                        </p:attrNameLst>
+                                      </p:cBhvr>
+                                      <p:to>
+                                        <p:strVal val="visible"/>
+                                      </p:to>
+                                    </p:set>
+                                  </p:childTnLst>
+                                </p:cTn>
+                              </p:par>
+                              <p:par>
+                                <p:cTn id="9" presetID="1" presetClass="entr" presetSubtype="0" fill="hold" nodeType="withEffect">
+                                  <p:stCondLst>
+                                    <p:cond delay="0"/>
+                                  </p:stCondLst>
+                                  <p:childTnLst>
+                                    <p:set>
+                                      <p:cBhvr>
+                                        <p:cTn id="10" dur="1" fill="hold">
+                                          <p:stCondLst>
+                                            <p:cond delay="0"/>
+                                          </p:stCondLst>
+                                        </p:cTn>
+                                        <p:tgtEl>
+                                          <p:spTgt spid="5">
+                                            <p:txEl>
+                                              <p:pRg st="10" end="10"/>
+                                            </p:txEl>
+                                          </p:spTgt>
+                                        </p:tgtEl>
+                                        <p:attrNameLst>
+                                          <p:attrName>style.visibility</p:attrName>
+                                        </p:attrNameLst>
+                                      </p:cBhvr>
+                                      <p:to>
+                                        <p:strVal val="visible"/>
+                                      </p:to>
+                                    </p:set>
+                                  </p:childTnLst>
+                                </p:cTn>
+                              </p:par>
+                            </p:childTnLst>
+                          </p:cTn>
+                        </p:par>
+                      </p:childTnLst>
+                    </p:cTn>
+                  </p:par>
+                  <p:par>
+                    <p:cTn id="11" fill="hold">
+                      <p:stCondLst>
+                        <p:cond delay="indefinite"/>
+                      </p:stCondLst>
+                      <p:childTnLst>
+                        <p:par>
+                          <p:cTn id="12" fill="hold">
+                            <p:stCondLst>
+                              <p:cond delay="0"/>
+                            </p:stCondLst>
+                            <p:childTnLst>
+                              <p:par>
+                                <p:cTn id="13" presetID="1" presetClass="entr" presetSubtype="0" fill="hold" nodeType="clickEffect">
+                                  <p:stCondLst>
+                                    <p:cond delay="0"/>
+                                  </p:stCondLst>
+                                  <p:childTnLst>
+                                    <p:set>
+                                      <p:cBhvr>
+                                        <p:cTn id="14" dur="1" fill="hold">
+                                          <p:stCondLst>
+                                            <p:cond delay="0"/>
+                                          </p:stCondLst>
+                                        </p:cTn>
+                                        <p:tgtEl>
+                                          <p:spTgt spid="5">
+                                            <p:txEl>
+                                              <p:pRg st="5" end="5"/>
+                                            </p:txEl>
+                                          </p:spTgt>
+                                        </p:tgtEl>
+                                        <p:attrNameLst>
+                                          <p:attrName>style.visibility</p:attrName>
+                                        </p:attrNameLst>
+                                      </p:cBhvr>
+                                      <p:to>
+                                        <p:strVal val="visible"/>
+                                      </p:to>
+                                    </p:set>
+                                  </p:childTnLst>
+                                </p:cTn>
+                              </p:par>
+                            </p:childTnLst>
+                          </p:cTn>
+                        </p:par>
+                      </p:childTnLst>
+                    </p:cTn>
+                  </p:par>
+                  <p:par>
+                    <p:cTn id="15" fill="hold">
+                      <p:stCondLst>
+                        <p:cond delay="indefinite"/>
+                      </p:stCondLst>
+                      <p:childTnLst>
+                        <p:par>
+                          <p:cTn id="16" fill="hold">
+                            <p:stCondLst>
+                              <p:cond delay="0"/>
+                            </p:stCondLst>
+                            <p:childTnLst>
+                              <p:par>
+                                <p:cTn id="17" presetID="1" presetClass="exit" presetSubtype="0" fill="hold" grpId="0" nodeType="clickEffect">
+                                  <p:stCondLst>
+                                    <p:cond delay="0"/>
+                                  </p:stCondLst>
+                                  <p:childTnLst>
+                                    <p:set>
+                                      <p:cBhvr>
+                                        <p:cTn id="18" dur="1" fill="hold">
+                                          <p:stCondLst>
+                                            <p:cond delay="0"/>
+                                          </p:stCondLst>
+                                        </p:cTn>
+                                        <p:tgtEl>
+                                          <p:spTgt spid="9"/>
+                                        </p:tgtEl>
+                                        <p:attrNameLst>
+                                          <p:attrName>style.visibility</p:attrName>
+                                        </p:attrNameLst>
+                                      </p:cBhvr>
+                                      <p:to>
+                                        <p:strVal val="hidden"/>
+                                      </p:to>
+                                    </p:set>
+                                  </p:childTnLst>
+                                </p:cTn>
+                              </p:par>
+                            </p:childTnLst>
+                          </p:cTn>
+                        </p:par>
+                      </p:childTnLst>
+                    </p:cTn>
+                  </p:par>
+                  <p:par>
+                    <p:cTn id="19" fill="hold">
+                      <p:stCondLst>
+                        <p:cond delay="indefinite"/>
+                      </p:stCondLst>
+                      <p:childTnLst>
+                        <p:par>
+                          <p:cTn id="20" fill="hold">
+                            <p:stCondLst>
+                              <p:cond delay="0"/>
+                            </p:stCondLst>
+                            <p:childTnLst>
+                              <p:par>
+                                <p:cTn id="21" presetID="1" presetClass="entr" presetSubtype="0" fill="hold" nodeType="clickEffect">
+                                  <p:stCondLst>
+                                    <p:cond delay="0"/>
+                                  </p:stCondLst>
+                                  <p:childTnLst>
+                                    <p:set>
+                                      <p:cBhvr>
+                                        <p:cTn id="22" dur="1" fill="hold">
+                                          <p:stCondLst>
+                                            <p:cond delay="0"/>
+                                          </p:stCondLst>
+                                        </p:cTn>
+                                        <p:tgtEl>
+                                          <p:spTgt spid="5">
+                                            <p:txEl>
+                                              <p:pRg st="8" end="8"/>
+                                            </p:txEl>
+                                          </p:spTgt>
+                                        </p:tgtEl>
+                                        <p:attrNameLst>
+                                          <p:attrName>style.visibility</p:attrName>
+                                        </p:attrNameLst>
+                                      </p:cBhvr>
+                                      <p:to>
+                                        <p:strVal val="visible"/>
+                                      </p:to>
+                                    </p:set>
+                                  </p:childTnLst>
+                                </p:cTn>
+                              </p:par>
+                            </p:childTnLst>
+                          </p:cTn>
+                        </p:par>
+                      </p:childTnLst>
+                    </p:cTn>
+                  </p:par>
+                  <p:par>
+                    <p:cTn id="23" fill="hold">
+                      <p:stCondLst>
+                        <p:cond delay="indefinite"/>
+                      </p:stCondLst>
+                      <p:childTnLst>
+                        <p:par>
+                          <p:cTn id="24" fill="hold">
+                            <p:stCondLst>
+                              <p:cond delay="0"/>
+                            </p:stCondLst>
+                            <p:childTnLst>
+                              <p:par>
+                                <p:cTn id="25" presetID="1" presetClass="entr" presetSubtype="0" fill="hold" nodeType="clickEffect">
+                                  <p:stCondLst>
+                                    <p:cond delay="0"/>
+                                  </p:stCondLst>
+                                  <p:childTnLst>
+                                    <p:set>
+                                      <p:cBhvr>
+                                        <p:cTn id="26" dur="1" fill="hold">
+                                          <p:stCondLst>
+                                            <p:cond delay="0"/>
+                                          </p:stCondLst>
+                                        </p:cTn>
+                                        <p:tgtEl>
+                                          <p:spTgt spid="5">
+                                            <p:txEl>
+                                              <p:pRg st="9" end="9"/>
+                                            </p:txEl>
+                                          </p:spTgt>
+                                        </p:tgtEl>
+                                        <p:attrNameLst>
+                                          <p:attrName>style.visibility</p:attrName>
+                                        </p:attrNameLst>
+                                      </p:cBhvr>
+                                      <p:to>
+                                        <p:strVal val="visible"/>
+                                      </p:to>
+                                    </p:set>
+                                  </p:childTnLst>
+                                </p:cTn>
+                              </p:par>
+                            </p:childTnLst>
+                          </p:cTn>
+                        </p:par>
+                      </p:childTnLst>
+                    </p:cTn>
+                  </p:par>
+                </p:childTnLst>
+              </p:cTn>
+              <p:prevCondLst>
+                <p:cond evt="onPrev" delay="0">
+                  <p:tgtEl>
+                    <p:sldTgt/>
+                  </p:tgtEl>
+                </p:cond>
+              </p:prevCondLst>
+              <p:nextCondLst>
+                <p:cond evt="onNext" delay="0">
+                  <p:tgtEl>
+                    <p:sldTgt/>
+                  </p:tgtEl>
+                </p:cond>
+              </p:nextCondLst>
+            </p:seq>
+          </p:childTnLst>
+        </p:cTn>
+      </p:par>
+    </p:tnLst>
+    <p:bldLst>
+      <p:bldP spid="9" grpId="0" animBg="1"/>
+    </p:bldLst>
+  </p:timing>
 </p:sld>
 </file>
 
@@ -15034,7 +19512,7 @@
             </a:r>
             <a:r>
               <a:rPr lang="en-US" dirty="0"/>
-              <a:t> statements and loops</a:t>
+              <a:t> loop basics</a:t>
             </a:r>
           </a:p>
           <a:p>
@@ -15046,7 +19524,7 @@
           <a:p>
             <a:r>
               <a:rPr lang="en-US" dirty="0"/>
-              <a:t>More uses of </a:t>
+              <a:t>More advanced </a:t>
             </a:r>
             <a:r>
               <a:rPr lang="en-US" dirty="0">
@@ -15057,6 +19535,18 @@
             <a:r>
               <a:rPr lang="en-US" dirty="0"/>
               <a:t> loops</a:t>
+            </a:r>
+          </a:p>
+          <a:p>
+            <a:r>
+              <a:rPr lang="en-US" dirty="0">
+                <a:latin typeface="Consolas" panose="020B0609020204030204" pitchFamily="49" charset="0"/>
+              </a:rPr>
+              <a:t>for</a:t>
+            </a:r>
+            <a:r>
+              <a:rPr lang="en-US" dirty="0"/>
+              <a:t> loops with arrays</a:t>
             </a:r>
           </a:p>
         </p:txBody>
@@ -15092,7 +19582,7 @@
     </p:spTree>
     <p:extLst>
       <p:ext uri="{BB962C8B-B14F-4D97-AF65-F5344CB8AC3E}">
-        <p14:creationId xmlns:p14="http://schemas.microsoft.com/office/powerpoint/2010/main" val="699830491"/>
+        <p14:creationId xmlns:p14="http://schemas.microsoft.com/office/powerpoint/2010/main" val="1948710670"/>
       </p:ext>
     </p:extLst>
   </p:cSld>
@@ -15101,10 +19591,10 @@
   </p:clrMapOvr>
   <mc:AlternateContent xmlns:mc="http://schemas.openxmlformats.org/markup-compatibility/2006" xmlns:p14="http://schemas.microsoft.com/office/powerpoint/2010/main">
     <mc:Choice Requires="p14">
-      <p:transition spd="slow" p14:dur="2000" advTm="7881"/>
+      <p:transition spd="slow" p14:dur="2000" advTm="10273"/>
     </mc:Choice>
     <mc:Fallback xmlns="">
-      <p:transition spd="slow" advTm="7881"/>
+      <p:transition spd="slow" advTm="10273"/>
     </mc:Fallback>
   </mc:AlternateContent>
 </p:sld>
